--- a/笔记/小算法.pptx
+++ b/笔记/小算法.pptx
@@ -6,43 +6,33 @@
   </p:sldMasterIdLst>
   <p:sldIdLst>
     <p:sldId id="256" r:id="rId2"/>
-    <p:sldId id="260" r:id="rId3"/>
-    <p:sldId id="257" r:id="rId4"/>
-    <p:sldId id="258" r:id="rId5"/>
-    <p:sldId id="261" r:id="rId6"/>
-    <p:sldId id="262" r:id="rId7"/>
-    <p:sldId id="267" r:id="rId8"/>
-    <p:sldId id="259" r:id="rId9"/>
-    <p:sldId id="293" r:id="rId10"/>
-    <p:sldId id="295" r:id="rId11"/>
-    <p:sldId id="265" r:id="rId12"/>
-    <p:sldId id="264" r:id="rId13"/>
-    <p:sldId id="266" r:id="rId14"/>
-    <p:sldId id="273" r:id="rId15"/>
-    <p:sldId id="275" r:id="rId16"/>
-    <p:sldId id="274" r:id="rId17"/>
-    <p:sldId id="269" r:id="rId18"/>
-    <p:sldId id="276" r:id="rId19"/>
-    <p:sldId id="270" r:id="rId20"/>
-    <p:sldId id="271" r:id="rId21"/>
-    <p:sldId id="272" r:id="rId22"/>
-    <p:sldId id="277" r:id="rId23"/>
-    <p:sldId id="278" r:id="rId24"/>
-    <p:sldId id="279" r:id="rId25"/>
-    <p:sldId id="280" r:id="rId26"/>
-    <p:sldId id="281" r:id="rId27"/>
-    <p:sldId id="282" r:id="rId28"/>
-    <p:sldId id="283" r:id="rId29"/>
-    <p:sldId id="284" r:id="rId30"/>
-    <p:sldId id="285" r:id="rId31"/>
-    <p:sldId id="286" r:id="rId32"/>
-    <p:sldId id="287" r:id="rId33"/>
-    <p:sldId id="288" r:id="rId34"/>
-    <p:sldId id="289" r:id="rId35"/>
-    <p:sldId id="290" r:id="rId36"/>
-    <p:sldId id="291" r:id="rId37"/>
-    <p:sldId id="292" r:id="rId38"/>
-    <p:sldId id="294" r:id="rId39"/>
+    <p:sldId id="296" r:id="rId3"/>
+    <p:sldId id="260" r:id="rId4"/>
+    <p:sldId id="257" r:id="rId5"/>
+    <p:sldId id="258" r:id="rId6"/>
+    <p:sldId id="261" r:id="rId7"/>
+    <p:sldId id="259" r:id="rId8"/>
+    <p:sldId id="262" r:id="rId9"/>
+    <p:sldId id="267" r:id="rId10"/>
+    <p:sldId id="293" r:id="rId11"/>
+    <p:sldId id="295" r:id="rId12"/>
+    <p:sldId id="265" r:id="rId13"/>
+    <p:sldId id="264" r:id="rId14"/>
+    <p:sldId id="266" r:id="rId15"/>
+    <p:sldId id="273" r:id="rId16"/>
+    <p:sldId id="275" r:id="rId17"/>
+    <p:sldId id="274" r:id="rId18"/>
+    <p:sldId id="269" r:id="rId19"/>
+    <p:sldId id="276" r:id="rId20"/>
+    <p:sldId id="270" r:id="rId21"/>
+    <p:sldId id="271" r:id="rId22"/>
+    <p:sldId id="272" r:id="rId23"/>
+    <p:sldId id="277" r:id="rId24"/>
+    <p:sldId id="278" r:id="rId25"/>
+    <p:sldId id="279" r:id="rId26"/>
+    <p:sldId id="280" r:id="rId27"/>
+    <p:sldId id="297" r:id="rId28"/>
+    <p:sldId id="298" r:id="rId29"/>
   </p:sldIdLst>
   <p:sldSz cx="12192000" cy="6858000"/>
   <p:notesSz cx="6858000" cy="9144000"/>
@@ -280,7 +270,7 @@
           <a:p>
             <a:fld id="{99653CC9-6D72-444B-A0D3-AD4AC0D644C1}" type="datetimeFigureOut">
               <a:rPr lang="zh-CN" altLang="en-US" smtClean="0"/>
-              <a:t>2021/2/5</a:t>
+              <a:t>2021/2/19</a:t>
             </a:fld>
             <a:endParaRPr lang="zh-CN" altLang="en-US"/>
           </a:p>
@@ -450,7 +440,7 @@
           <a:p>
             <a:fld id="{99653CC9-6D72-444B-A0D3-AD4AC0D644C1}" type="datetimeFigureOut">
               <a:rPr lang="zh-CN" altLang="en-US" smtClean="0"/>
-              <a:t>2021/2/5</a:t>
+              <a:t>2021/2/19</a:t>
             </a:fld>
             <a:endParaRPr lang="zh-CN" altLang="en-US"/>
           </a:p>
@@ -630,7 +620,7 @@
           <a:p>
             <a:fld id="{99653CC9-6D72-444B-A0D3-AD4AC0D644C1}" type="datetimeFigureOut">
               <a:rPr lang="zh-CN" altLang="en-US" smtClean="0"/>
-              <a:t>2021/2/5</a:t>
+              <a:t>2021/2/19</a:t>
             </a:fld>
             <a:endParaRPr lang="zh-CN" altLang="en-US"/>
           </a:p>
@@ -800,7 +790,7 @@
           <a:p>
             <a:fld id="{99653CC9-6D72-444B-A0D3-AD4AC0D644C1}" type="datetimeFigureOut">
               <a:rPr lang="zh-CN" altLang="en-US" smtClean="0"/>
-              <a:t>2021/2/5</a:t>
+              <a:t>2021/2/19</a:t>
             </a:fld>
             <a:endParaRPr lang="zh-CN" altLang="en-US"/>
           </a:p>
@@ -1046,7 +1036,7 @@
           <a:p>
             <a:fld id="{99653CC9-6D72-444B-A0D3-AD4AC0D644C1}" type="datetimeFigureOut">
               <a:rPr lang="zh-CN" altLang="en-US" smtClean="0"/>
-              <a:t>2021/2/5</a:t>
+              <a:t>2021/2/19</a:t>
             </a:fld>
             <a:endParaRPr lang="zh-CN" altLang="en-US"/>
           </a:p>
@@ -1278,7 +1268,7 @@
           <a:p>
             <a:fld id="{99653CC9-6D72-444B-A0D3-AD4AC0D644C1}" type="datetimeFigureOut">
               <a:rPr lang="zh-CN" altLang="en-US" smtClean="0"/>
-              <a:t>2021/2/5</a:t>
+              <a:t>2021/2/19</a:t>
             </a:fld>
             <a:endParaRPr lang="zh-CN" altLang="en-US"/>
           </a:p>
@@ -1645,7 +1635,7 @@
           <a:p>
             <a:fld id="{99653CC9-6D72-444B-A0D3-AD4AC0D644C1}" type="datetimeFigureOut">
               <a:rPr lang="zh-CN" altLang="en-US" smtClean="0"/>
-              <a:t>2021/2/5</a:t>
+              <a:t>2021/2/19</a:t>
             </a:fld>
             <a:endParaRPr lang="zh-CN" altLang="en-US"/>
           </a:p>
@@ -1763,7 +1753,7 @@
           <a:p>
             <a:fld id="{99653CC9-6D72-444B-A0D3-AD4AC0D644C1}" type="datetimeFigureOut">
               <a:rPr lang="zh-CN" altLang="en-US" smtClean="0"/>
-              <a:t>2021/2/5</a:t>
+              <a:t>2021/2/19</a:t>
             </a:fld>
             <a:endParaRPr lang="zh-CN" altLang="en-US"/>
           </a:p>
@@ -1858,7 +1848,7 @@
           <a:p>
             <a:fld id="{99653CC9-6D72-444B-A0D3-AD4AC0D644C1}" type="datetimeFigureOut">
               <a:rPr lang="zh-CN" altLang="en-US" smtClean="0"/>
-              <a:t>2021/2/5</a:t>
+              <a:t>2021/2/19</a:t>
             </a:fld>
             <a:endParaRPr lang="zh-CN" altLang="en-US"/>
           </a:p>
@@ -2135,7 +2125,7 @@
           <a:p>
             <a:fld id="{99653CC9-6D72-444B-A0D3-AD4AC0D644C1}" type="datetimeFigureOut">
               <a:rPr lang="zh-CN" altLang="en-US" smtClean="0"/>
-              <a:t>2021/2/5</a:t>
+              <a:t>2021/2/19</a:t>
             </a:fld>
             <a:endParaRPr lang="zh-CN" altLang="en-US"/>
           </a:p>
@@ -2388,7 +2378,7 @@
           <a:p>
             <a:fld id="{99653CC9-6D72-444B-A0D3-AD4AC0D644C1}" type="datetimeFigureOut">
               <a:rPr lang="zh-CN" altLang="en-US" smtClean="0"/>
-              <a:t>2021/2/5</a:t>
+              <a:t>2021/2/19</a:t>
             </a:fld>
             <a:endParaRPr lang="zh-CN" altLang="en-US"/>
           </a:p>
@@ -2601,7 +2591,7 @@
           <a:p>
             <a:fld id="{99653CC9-6D72-444B-A0D3-AD4AC0D644C1}" type="datetimeFigureOut">
               <a:rPr lang="zh-CN" altLang="en-US" smtClean="0"/>
-              <a:t>2021/2/5</a:t>
+              <a:t>2021/2/19</a:t>
             </a:fld>
             <a:endParaRPr lang="zh-CN" altLang="en-US"/>
           </a:p>
@@ -3008,14 +2998,14 @@
       </p:grpSpPr>
       <p:sp>
         <p:nvSpPr>
-          <p:cNvPr id="4" name="矩形 3"/>
+          <p:cNvPr id="3" name="矩形 2"/>
           <p:cNvSpPr/>
           <p:nvPr/>
         </p:nvSpPr>
         <p:spPr>
           <a:xfrm>
-            <a:off x="789160" y="3061715"/>
-            <a:ext cx="10704214" cy="2554545"/>
+            <a:off x="3880916" y="1743161"/>
+            <a:ext cx="3923171" cy="2554545"/>
           </a:xfrm>
           <a:prstGeom prst="rect">
             <a:avLst/>
@@ -3027,166 +3017,116 @@
           </a:bodyPr>
           <a:lstStyle/>
           <a:p>
-            <a:r>
-              <a:rPr lang="en-US" altLang="zh-CN" sz="4000" dirty="0" smtClean="0"/>
-              <a:t>1 </a:t>
-            </a:r>
-            <a:r>
-              <a:rPr lang="zh-CN" altLang="en-US" sz="4000" dirty="0" smtClean="0"/>
-              <a:t>、</a:t>
-            </a:r>
-            <a:r>
-              <a:rPr lang="en-US" altLang="zh-CN" sz="4000" dirty="0" smtClean="0"/>
-              <a:t>5</a:t>
-            </a:r>
-            <a:r>
-              <a:rPr lang="zh-CN" altLang="en-US" sz="4000" dirty="0" smtClean="0"/>
-              <a:t>、</a:t>
-            </a:r>
-            <a:r>
-              <a:rPr lang="en-US" altLang="zh-CN" sz="4000" dirty="0" smtClean="0"/>
-              <a:t>11</a:t>
-            </a:r>
-            <a:r>
-              <a:rPr lang="zh-CN" altLang="en-US" sz="4000" dirty="0" smtClean="0"/>
-              <a:t/>
-            </a:r>
-            <a:br>
-              <a:rPr lang="zh-CN" altLang="en-US" sz="4000" dirty="0" smtClean="0"/>
-            </a:br>
-            <a:r>
-              <a:rPr lang="zh-CN" altLang="en-US" sz="4000" dirty="0" smtClean="0"/>
-              <a:t>　　</a:t>
-            </a:r>
-            <a:r>
-              <a:rPr lang="en-US" altLang="zh-CN" sz="4000" dirty="0" smtClean="0"/>
-              <a:t>15=1×11+4×1 </a:t>
-            </a:r>
-            <a:r>
-              <a:rPr lang="zh-CN" altLang="en-US" sz="4000" dirty="0" smtClean="0"/>
-              <a:t>（贪心策略使用了</a:t>
-            </a:r>
-            <a:r>
-              <a:rPr lang="en-US" altLang="zh-CN" sz="4000" dirty="0" smtClean="0"/>
-              <a:t>5</a:t>
-            </a:r>
-            <a:r>
-              <a:rPr lang="zh-CN" altLang="en-US" sz="4000" dirty="0" smtClean="0"/>
-              <a:t>张钞票）</a:t>
-            </a:r>
-            <a:br>
-              <a:rPr lang="zh-CN" altLang="en-US" sz="4000" dirty="0" smtClean="0"/>
-            </a:br>
-            <a:r>
-              <a:rPr lang="zh-CN" altLang="en-US" sz="4000" dirty="0" smtClean="0"/>
-              <a:t>　　</a:t>
-            </a:r>
-            <a:r>
-              <a:rPr lang="en-US" altLang="zh-CN" sz="4000" dirty="0" smtClean="0"/>
-              <a:t>15=3×5 </a:t>
-            </a:r>
-            <a:r>
-              <a:rPr lang="zh-CN" altLang="en-US" sz="4000" dirty="0" smtClean="0"/>
-              <a:t>（正确的策略，只用</a:t>
-            </a:r>
-            <a:r>
-              <a:rPr lang="en-US" altLang="zh-CN" sz="4000" dirty="0" smtClean="0"/>
-              <a:t>3</a:t>
-            </a:r>
-            <a:r>
-              <a:rPr lang="zh-CN" altLang="en-US" sz="4000" dirty="0" smtClean="0"/>
-              <a:t>张钞票）</a:t>
-            </a:r>
-            <a:br>
-              <a:rPr lang="zh-CN" altLang="en-US" sz="4000" dirty="0" smtClean="0"/>
-            </a:br>
-            <a:endParaRPr lang="zh-CN" altLang="en-US" sz="4000" dirty="0"/>
-          </a:p>
-        </p:txBody>
-      </p:sp>
-      <p:sp>
-        <p:nvSpPr>
-          <p:cNvPr id="5" name="矩形 4"/>
-          <p:cNvSpPr/>
-          <p:nvPr/>
-        </p:nvSpPr>
-        <p:spPr>
-          <a:xfrm>
-            <a:off x="789160" y="507170"/>
-            <a:ext cx="9554424" cy="2554545"/>
-          </a:xfrm>
-          <a:prstGeom prst="rect">
-            <a:avLst/>
-          </a:prstGeom>
-        </p:spPr>
-        <p:txBody>
-          <a:bodyPr wrap="square">
-            <a:spAutoFit/>
-          </a:bodyPr>
-          <a:lstStyle/>
-          <a:p>
-            <a:endParaRPr lang="en-US" altLang="zh-CN" sz="4000" dirty="0" smtClean="0"/>
-          </a:p>
-          <a:p>
-            <a:r>
-              <a:rPr lang="en-US" altLang="zh-CN" sz="4000" dirty="0" smtClean="0"/>
-              <a:t>1 </a:t>
-            </a:r>
-            <a:r>
-              <a:rPr lang="zh-CN" altLang="en-US" sz="4000" dirty="0" smtClean="0"/>
-              <a:t>、</a:t>
-            </a:r>
-            <a:r>
-              <a:rPr lang="en-US" altLang="zh-CN" sz="4000" dirty="0" smtClean="0"/>
-              <a:t>5</a:t>
-            </a:r>
-            <a:r>
-              <a:rPr lang="zh-CN" altLang="en-US" sz="4000" dirty="0" smtClean="0"/>
-              <a:t>、</a:t>
-            </a:r>
-            <a:r>
-              <a:rPr lang="en-US" altLang="zh-CN" sz="4000" dirty="0" smtClean="0"/>
-              <a:t>10</a:t>
-            </a:r>
-            <a:r>
-              <a:rPr lang="zh-CN" altLang="en-US" sz="4000" dirty="0" smtClean="0"/>
-              <a:t/>
-            </a:r>
-            <a:br>
-              <a:rPr lang="zh-CN" altLang="en-US" sz="4000" dirty="0" smtClean="0"/>
-            </a:br>
-            <a:r>
-              <a:rPr lang="zh-CN" altLang="en-US" sz="4000" dirty="0" smtClean="0"/>
-              <a:t>　　</a:t>
-            </a:r>
-            <a:r>
-              <a:rPr lang="en-US" altLang="zh-CN" sz="4000" dirty="0" smtClean="0"/>
-              <a:t>15= 1×10+1×5   2</a:t>
-            </a:r>
-            <a:r>
-              <a:rPr lang="zh-CN" altLang="en-US" sz="4000" dirty="0" smtClean="0"/>
-              <a:t>张  </a:t>
-            </a:r>
-            <a:r>
-              <a:rPr lang="en-US" altLang="zh-CN" sz="4000" dirty="0" smtClean="0"/>
-              <a:t>(</a:t>
-            </a:r>
-            <a:r>
-              <a:rPr lang="zh-CN" altLang="en-US" sz="4000" dirty="0" smtClean="0"/>
-              <a:t>贪心策略</a:t>
-            </a:r>
-            <a:r>
-              <a:rPr lang="en-US" altLang="zh-CN" sz="4000" dirty="0" smtClean="0"/>
-              <a:t>)</a:t>
-            </a:r>
-            <a:r>
-              <a:rPr lang="zh-CN" altLang="en-US" sz="4000" dirty="0" smtClean="0"/>
-              <a:t/>
-            </a:r>
-            <a:br>
-              <a:rPr lang="zh-CN" altLang="en-US" sz="4000" dirty="0" smtClean="0"/>
-            </a:br>
-            <a:endParaRPr lang="zh-CN" altLang="en-US" sz="4000" dirty="0"/>
+            <a:pPr marL="514350" indent="-514350">
+              <a:buFont typeface="Arial" panose="020B0604020202020204" pitchFamily="34" charset="0"/>
+              <a:buChar char="•"/>
+            </a:pPr>
+            <a:r>
+              <a:rPr lang="zh-CN" altLang="en-US" sz="3200" dirty="0" smtClean="0"/>
+              <a:t>贪</a:t>
+            </a:r>
+            <a:r>
+              <a:rPr lang="zh-CN" altLang="en-US" sz="3200" dirty="0"/>
+              <a:t>婪算法</a:t>
+            </a:r>
+          </a:p>
+          <a:p>
+            <a:pPr marL="514350" indent="-514350">
+              <a:buFont typeface="Arial" panose="020B0604020202020204" pitchFamily="34" charset="0"/>
+              <a:buChar char="•"/>
+            </a:pPr>
+            <a:r>
+              <a:rPr lang="zh-CN" altLang="en-US" sz="3200" b="1" dirty="0" smtClean="0">
+                <a:solidFill>
+                  <a:srgbClr val="FF0000"/>
+                </a:solidFill>
+              </a:rPr>
+              <a:t>动</a:t>
+            </a:r>
+            <a:r>
+              <a:rPr lang="zh-CN" altLang="en-US" sz="3200" b="1" dirty="0">
+                <a:solidFill>
+                  <a:srgbClr val="FF0000"/>
+                </a:solidFill>
+              </a:rPr>
+              <a:t>态规划算</a:t>
+            </a:r>
+            <a:r>
+              <a:rPr lang="zh-CN" altLang="en-US" sz="3200" b="1" dirty="0" smtClean="0">
+                <a:solidFill>
+                  <a:srgbClr val="FF0000"/>
+                </a:solidFill>
+              </a:rPr>
+              <a:t>法</a:t>
+            </a:r>
+            <a:endParaRPr lang="en-US" altLang="zh-CN" sz="3200" b="1" dirty="0" smtClean="0">
+              <a:solidFill>
+                <a:srgbClr val="FF0000"/>
+              </a:solidFill>
+            </a:endParaRPr>
+          </a:p>
+          <a:p>
+            <a:pPr marL="514350" indent="-514350">
+              <a:buFont typeface="Arial" panose="020B0604020202020204" pitchFamily="34" charset="0"/>
+              <a:buChar char="•"/>
+            </a:pPr>
+            <a:r>
+              <a:rPr lang="zh-CN" altLang="en-US" sz="3200" b="1" dirty="0">
+                <a:solidFill>
+                  <a:srgbClr val="FF0000"/>
+                </a:solidFill>
+              </a:rPr>
+              <a:t>回溯算</a:t>
+            </a:r>
+            <a:r>
+              <a:rPr lang="zh-CN" altLang="en-US" sz="3200" b="1" dirty="0" smtClean="0">
+                <a:solidFill>
+                  <a:srgbClr val="FF0000"/>
+                </a:solidFill>
+              </a:rPr>
+              <a:t>法</a:t>
+            </a:r>
+            <a:endParaRPr lang="zh-CN" altLang="en-US" sz="3200" b="1" dirty="0">
+              <a:solidFill>
+                <a:srgbClr val="FF0000"/>
+              </a:solidFill>
+            </a:endParaRPr>
+          </a:p>
+          <a:p>
+            <a:pPr marL="514350" indent="-514350">
+              <a:buFont typeface="Arial" panose="020B0604020202020204" pitchFamily="34" charset="0"/>
+              <a:buChar char="•"/>
+            </a:pPr>
+            <a:r>
+              <a:rPr lang="zh-CN" altLang="en-US" sz="3200" b="1" dirty="0" smtClean="0">
+                <a:solidFill>
+                  <a:srgbClr val="FF0000"/>
+                </a:solidFill>
+              </a:rPr>
+              <a:t>分</a:t>
+            </a:r>
+            <a:r>
+              <a:rPr lang="zh-CN" altLang="en-US" sz="3200" b="1" dirty="0">
+                <a:solidFill>
+                  <a:srgbClr val="FF0000"/>
+                </a:solidFill>
+              </a:rPr>
+              <a:t>治算法</a:t>
+            </a:r>
+          </a:p>
+          <a:p>
+            <a:pPr marL="514350" indent="-514350">
+              <a:buFont typeface="Arial" panose="020B0604020202020204" pitchFamily="34" charset="0"/>
+              <a:buChar char="•"/>
+            </a:pPr>
+            <a:r>
+              <a:rPr lang="zh-CN" altLang="en-US" sz="3200" dirty="0" smtClean="0"/>
+              <a:t>分</a:t>
+            </a:r>
+            <a:r>
+              <a:rPr lang="zh-CN" altLang="en-US" sz="3200" dirty="0"/>
+              <a:t>支限界算法</a:t>
+            </a:r>
           </a:p>
         </p:txBody>
       </p:sp>
@@ -3227,6 +3167,67 @@
           <a:chExt cx="0" cy="0"/>
         </a:xfrm>
       </p:grpSpPr>
+      <p:pic>
+        <p:nvPicPr>
+          <p:cNvPr id="2" name="图片 1"/>
+          <p:cNvPicPr>
+            <a:picLocks noChangeAspect="1"/>
+          </p:cNvPicPr>
+          <p:nvPr/>
+        </p:nvPicPr>
+        <p:blipFill>
+          <a:blip r:embed="rId2"/>
+          <a:stretch>
+            <a:fillRect/>
+          </a:stretch>
+        </p:blipFill>
+        <p:spPr>
+          <a:xfrm>
+            <a:off x="166828" y="1131729"/>
+            <a:ext cx="11869507" cy="4590060"/>
+          </a:xfrm>
+          <a:prstGeom prst="rect">
+            <a:avLst/>
+          </a:prstGeom>
+        </p:spPr>
+      </p:pic>
+    </p:spTree>
+    <p:extLst>
+      <p:ext uri="{BB962C8B-B14F-4D97-AF65-F5344CB8AC3E}">
+        <p14:creationId xmlns:p14="http://schemas.microsoft.com/office/powerpoint/2010/main" val="4284846240"/>
+      </p:ext>
+    </p:extLst>
+  </p:cSld>
+  <p:clrMapOvr>
+    <a:masterClrMapping/>
+  </p:clrMapOvr>
+  <p:timing>
+    <p:tnLst>
+      <p:par>
+        <p:cTn id="1" dur="indefinite" restart="never" nodeType="tmRoot"/>
+      </p:par>
+    </p:tnLst>
+  </p:timing>
+</p:sld>
+</file>
+
+<file path=ppt/slides/slide11.xml><?xml version="1.0" encoding="utf-8"?>
+<p:sld xmlns:a="http://schemas.openxmlformats.org/drawingml/2006/main" xmlns:r="http://schemas.openxmlformats.org/officeDocument/2006/relationships" xmlns:p="http://schemas.openxmlformats.org/presentationml/2006/main">
+  <p:cSld>
+    <p:spTree>
+      <p:nvGrpSpPr>
+        <p:cNvPr id="1" name=""/>
+        <p:cNvGrpSpPr/>
+        <p:nvPr/>
+      </p:nvGrpSpPr>
+      <p:grpSpPr>
+        <a:xfrm>
+          <a:off x="0" y="0"/>
+          <a:ext cx="0" cy="0"/>
+          <a:chOff x="0" y="0"/>
+          <a:chExt cx="0" cy="0"/>
+        </a:xfrm>
+      </p:grpSpPr>
       <p:sp>
         <p:nvSpPr>
           <p:cNvPr id="3" name="矩形 2"/>
@@ -3331,7 +3332,7 @@
 </p:sld>
 </file>
 
-<file path=ppt/slides/slide11.xml><?xml version="1.0" encoding="utf-8"?>
+<file path=ppt/slides/slide12.xml><?xml version="1.0" encoding="utf-8"?>
 <p:sld xmlns:a="http://schemas.openxmlformats.org/drawingml/2006/main" xmlns:r="http://schemas.openxmlformats.org/officeDocument/2006/relationships" xmlns:p="http://schemas.openxmlformats.org/presentationml/2006/main">
   <p:cSld>
     <p:spTree>
@@ -3498,7 +3499,7 @@
 </p:sld>
 </file>
 
-<file path=ppt/slides/slide12.xml><?xml version="1.0" encoding="utf-8"?>
+<file path=ppt/slides/slide13.xml><?xml version="1.0" encoding="utf-8"?>
 <p:sld xmlns:a="http://schemas.openxmlformats.org/drawingml/2006/main" xmlns:r="http://schemas.openxmlformats.org/officeDocument/2006/relationships" xmlns:p="http://schemas.openxmlformats.org/presentationml/2006/main">
   <p:cSld>
     <p:spTree>
@@ -3587,7 +3588,7 @@
 </p:sld>
 </file>
 
-<file path=ppt/slides/slide13.xml><?xml version="1.0" encoding="utf-8"?>
+<file path=ppt/slides/slide14.xml><?xml version="1.0" encoding="utf-8"?>
 <p:sld xmlns:a="http://schemas.openxmlformats.org/drawingml/2006/main" xmlns:r="http://schemas.openxmlformats.org/officeDocument/2006/relationships" xmlns:p="http://schemas.openxmlformats.org/presentationml/2006/main">
   <p:cSld>
     <p:spTree>
@@ -3883,7 +3884,7 @@
 </p:sld>
 </file>
 
-<file path=ppt/slides/slide14.xml><?xml version="1.0" encoding="utf-8"?>
+<file path=ppt/slides/slide15.xml><?xml version="1.0" encoding="utf-8"?>
 <p:sld xmlns:a="http://schemas.openxmlformats.org/drawingml/2006/main" xmlns:r="http://schemas.openxmlformats.org/officeDocument/2006/relationships" xmlns:p="http://schemas.openxmlformats.org/presentationml/2006/main">
   <p:cSld>
     <p:spTree>
@@ -4100,7 +4101,7 @@
 </p:sld>
 </file>
 
-<file path=ppt/slides/slide15.xml><?xml version="1.0" encoding="utf-8"?>
+<file path=ppt/slides/slide16.xml><?xml version="1.0" encoding="utf-8"?>
 <p:sld xmlns:a="http://schemas.openxmlformats.org/drawingml/2006/main" xmlns:r="http://schemas.openxmlformats.org/officeDocument/2006/relationships" xmlns:p="http://schemas.openxmlformats.org/presentationml/2006/main">
   <p:cSld>
     <p:spTree>
@@ -4608,7 +4609,7 @@
 </p:sld>
 </file>
 
-<file path=ppt/slides/slide16.xml><?xml version="1.0" encoding="utf-8"?>
+<file path=ppt/slides/slide17.xml><?xml version="1.0" encoding="utf-8"?>
 <p:sld xmlns:a="http://schemas.openxmlformats.org/drawingml/2006/main" xmlns:r="http://schemas.openxmlformats.org/officeDocument/2006/relationships" xmlns:p="http://schemas.openxmlformats.org/presentationml/2006/main">
   <p:cSld>
     <p:spTree>
@@ -5185,7 +5186,7 @@
 </p:sld>
 </file>
 
-<file path=ppt/slides/slide17.xml><?xml version="1.0" encoding="utf-8"?>
+<file path=ppt/slides/slide18.xml><?xml version="1.0" encoding="utf-8"?>
 <p:sld xmlns:a="http://schemas.openxmlformats.org/drawingml/2006/main" xmlns:r="http://schemas.openxmlformats.org/officeDocument/2006/relationships" xmlns:p="http://schemas.openxmlformats.org/presentationml/2006/main">
   <p:cSld>
     <p:spTree>
@@ -5381,7 +5382,7 @@
 </p:sld>
 </file>
 
-<file path=ppt/slides/slide18.xml><?xml version="1.0" encoding="utf-8"?>
+<file path=ppt/slides/slide19.xml><?xml version="1.0" encoding="utf-8"?>
 <p:sld xmlns:a="http://schemas.openxmlformats.org/drawingml/2006/main" xmlns:r="http://schemas.openxmlformats.org/officeDocument/2006/relationships" xmlns:p="http://schemas.openxmlformats.org/presentationml/2006/main">
   <p:cSld>
     <p:spTree>
@@ -6111,106 +6112,6 @@
 </p:sld>
 </file>
 
-<file path=ppt/slides/slide19.xml><?xml version="1.0" encoding="utf-8"?>
-<p:sld xmlns:a="http://schemas.openxmlformats.org/drawingml/2006/main" xmlns:r="http://schemas.openxmlformats.org/officeDocument/2006/relationships" xmlns:p="http://schemas.openxmlformats.org/presentationml/2006/main">
-  <p:cSld>
-    <p:spTree>
-      <p:nvGrpSpPr>
-        <p:cNvPr id="1" name=""/>
-        <p:cNvGrpSpPr/>
-        <p:nvPr/>
-      </p:nvGrpSpPr>
-      <p:grpSpPr>
-        <a:xfrm>
-          <a:off x="0" y="0"/>
-          <a:ext cx="0" cy="0"/>
-          <a:chOff x="0" y="0"/>
-          <a:chExt cx="0" cy="0"/>
-        </a:xfrm>
-      </p:grpSpPr>
-      <p:sp>
-        <p:nvSpPr>
-          <p:cNvPr id="2" name="矩形 1"/>
-          <p:cNvSpPr/>
-          <p:nvPr/>
-        </p:nvSpPr>
-        <p:spPr>
-          <a:xfrm>
-            <a:off x="875168" y="528481"/>
-            <a:ext cx="6096000" cy="2308324"/>
-          </a:xfrm>
-          <a:prstGeom prst="rect">
-            <a:avLst/>
-          </a:prstGeom>
-        </p:spPr>
-        <p:txBody>
-          <a:bodyPr>
-            <a:spAutoFit/>
-          </a:bodyPr>
-          <a:lstStyle/>
-          <a:p>
-            <a:r>
-              <a:rPr lang="zh-CN" altLang="en-US" dirty="0"/>
-              <a:t>给定一个整数数组 nums ，找到一个具有最大和的连续子数组（子数组最少包含一个元素），返回其最大和。</a:t>
-            </a:r>
-          </a:p>
-          <a:p>
-            <a:endParaRPr lang="zh-CN" altLang="en-US" dirty="0"/>
-          </a:p>
-          <a:p>
-            <a:r>
-              <a:rPr lang="zh-CN" altLang="en-US" dirty="0"/>
-              <a:t>示例:</a:t>
-            </a:r>
-          </a:p>
-          <a:p>
-            <a:endParaRPr lang="zh-CN" altLang="en-US" dirty="0"/>
-          </a:p>
-          <a:p>
-            <a:r>
-              <a:rPr lang="zh-CN" altLang="en-US" dirty="0"/>
-              <a:t>输入: [-2,1,-3,4,-1,2,1,-5,4]</a:t>
-            </a:r>
-          </a:p>
-          <a:p>
-            <a:r>
-              <a:rPr lang="zh-CN" altLang="en-US" dirty="0"/>
-              <a:t>输出: 6</a:t>
-            </a:r>
-          </a:p>
-          <a:p>
-            <a:r>
-              <a:rPr lang="zh-CN" altLang="en-US" dirty="0"/>
-              <a:t>解释: 连续子数组 [4,-1,2,1] 的和最大，为 6</a:t>
-            </a:r>
-            <a:r>
-              <a:rPr lang="zh-CN" altLang="en-US" dirty="0" smtClean="0"/>
-              <a:t>。</a:t>
-            </a:r>
-            <a:endParaRPr lang="zh-CN" altLang="en-US" dirty="0"/>
-          </a:p>
-        </p:txBody>
-      </p:sp>
-    </p:spTree>
-    <p:extLst>
-      <p:ext uri="{BB962C8B-B14F-4D97-AF65-F5344CB8AC3E}">
-        <p14:creationId xmlns:p14="http://schemas.microsoft.com/office/powerpoint/2010/main" val="1470168313"/>
-      </p:ext>
-    </p:extLst>
-  </p:cSld>
-  <p:clrMapOvr>
-    <a:masterClrMapping/>
-  </p:clrMapOvr>
-  <p:timing>
-    <p:tnLst>
-      <p:par>
-        <p:cTn id="1" dur="indefinite" restart="never" nodeType="tmRoot"/>
-      </p:par>
-    </p:tnLst>
-  </p:timing>
-</p:sld>
-</file>
-
 <file path=ppt/slides/slide2.xml><?xml version="1.0" encoding="utf-8"?>
 <p:sld xmlns:a="http://schemas.openxmlformats.org/drawingml/2006/main" xmlns:r="http://schemas.openxmlformats.org/officeDocument/2006/relationships" xmlns:p="http://schemas.openxmlformats.org/presentationml/2006/main">
   <p:cSld>
@@ -6236,8 +6137,8 @@
         </p:nvSpPr>
         <p:spPr>
           <a:xfrm>
-            <a:off x="798767" y="818118"/>
-            <a:ext cx="10704214" cy="4401205"/>
+            <a:off x="789160" y="3061715"/>
+            <a:ext cx="10704214" cy="2554545"/>
           </a:xfrm>
           <a:prstGeom prst="rect">
             <a:avLst/>
@@ -6280,55 +6181,165 @@
               <a:rPr lang="zh-CN" altLang="en-US" sz="4000" dirty="0" smtClean="0"/>
               <a:t>　　</a:t>
             </a:r>
+            <a:r>
+              <a:rPr lang="en-US" altLang="zh-CN" sz="4000" dirty="0" smtClean="0"/>
+              <a:t>15=1×11+4×1 </a:t>
+            </a:r>
+            <a:r>
+              <a:rPr lang="zh-CN" altLang="en-US" sz="4000" dirty="0" smtClean="0"/>
+              <a:t>（贪心策略使用了</a:t>
+            </a:r>
+            <a:r>
+              <a:rPr lang="en-US" altLang="zh-CN" sz="4000" dirty="0" smtClean="0"/>
+              <a:t>5</a:t>
+            </a:r>
+            <a:r>
+              <a:rPr lang="zh-CN" altLang="en-US" sz="4000" dirty="0" smtClean="0"/>
+              <a:t>张钞票）</a:t>
+            </a:r>
+            <a:br>
+              <a:rPr lang="zh-CN" altLang="en-US" sz="4000" dirty="0" smtClean="0"/>
+            </a:br>
+            <a:r>
+              <a:rPr lang="zh-CN" altLang="en-US" sz="4000" dirty="0" smtClean="0"/>
+              <a:t>　　</a:t>
+            </a:r>
+            <a:r>
+              <a:rPr lang="en-US" altLang="zh-CN" sz="4000" dirty="0" smtClean="0"/>
+              <a:t>15=3×5 </a:t>
+            </a:r>
+            <a:r>
+              <a:rPr lang="zh-CN" altLang="en-US" sz="4000" dirty="0" smtClean="0"/>
+              <a:t>（正确的策略，只用</a:t>
+            </a:r>
+            <a:r>
+              <a:rPr lang="en-US" altLang="zh-CN" sz="4000" dirty="0" smtClean="0"/>
+              <a:t>3</a:t>
+            </a:r>
+            <a:r>
+              <a:rPr lang="zh-CN" altLang="en-US" sz="4000" dirty="0" smtClean="0"/>
+              <a:t>张钞票）</a:t>
+            </a:r>
+            <a:br>
+              <a:rPr lang="zh-CN" altLang="en-US" sz="4000" dirty="0" smtClean="0"/>
+            </a:br>
+            <a:endParaRPr lang="zh-CN" altLang="en-US" sz="4000" dirty="0"/>
+          </a:p>
+        </p:txBody>
+      </p:sp>
+      <p:sp>
+        <p:nvSpPr>
+          <p:cNvPr id="5" name="矩形 4"/>
+          <p:cNvSpPr/>
+          <p:nvPr/>
+        </p:nvSpPr>
+        <p:spPr>
+          <a:xfrm>
+            <a:off x="789160" y="507170"/>
+            <a:ext cx="9554424" cy="3170099"/>
+          </a:xfrm>
+          <a:prstGeom prst="rect">
+            <a:avLst/>
+          </a:prstGeom>
+        </p:spPr>
+        <p:txBody>
+          <a:bodyPr wrap="square">
+            <a:spAutoFit/>
+          </a:bodyPr>
+          <a:lstStyle/>
+          <a:p>
+            <a:r>
+              <a:rPr lang="zh-CN" altLang="en-US" sz="4000" dirty="0"/>
+              <a:t>典</a:t>
+            </a:r>
+            <a:r>
+              <a:rPr lang="zh-CN" altLang="en-US" sz="4000" dirty="0" smtClean="0"/>
+              <a:t>型的可以用</a:t>
+            </a:r>
+            <a:r>
+              <a:rPr lang="en-US" altLang="zh-CN" sz="4000" dirty="0" smtClean="0"/>
+              <a:t>DP</a:t>
+            </a:r>
+            <a:r>
+              <a:rPr lang="zh-CN" altLang="en-US" sz="4000" dirty="0"/>
+              <a:t>求</a:t>
+            </a:r>
+            <a:r>
+              <a:rPr lang="zh-CN" altLang="en-US" sz="4000" dirty="0" smtClean="0"/>
+              <a:t>解的问题</a:t>
+            </a:r>
             <a:endParaRPr lang="en-US" altLang="zh-CN" sz="4000" dirty="0" smtClean="0"/>
           </a:p>
           <a:p>
+            <a:endParaRPr lang="en-US" altLang="zh-CN" sz="4000" dirty="0" smtClean="0"/>
+          </a:p>
+          <a:p>
             <a:r>
               <a:rPr lang="en-US" altLang="zh-CN" sz="4000" dirty="0" smtClean="0"/>
-              <a:t>f(15) = min( f(15-11)+1 , f(15-5)+1 ,f(15-1)+1  )</a:t>
-            </a:r>
-          </a:p>
-          <a:p>
-            <a:endParaRPr lang="en-US" altLang="zh-CN" sz="4000" dirty="0" smtClean="0"/>
-          </a:p>
-          <a:p>
-            <a:r>
-              <a:rPr lang="zh-CN" altLang="en-US" sz="4000" dirty="0">
-                <a:solidFill>
-                  <a:srgbClr val="FF0000"/>
-                </a:solidFill>
-              </a:rPr>
-              <a:t>转</a:t>
-            </a:r>
-            <a:r>
-              <a:rPr lang="zh-CN" altLang="en-US" sz="4000" dirty="0" smtClean="0">
-                <a:solidFill>
-                  <a:srgbClr val="FF0000"/>
-                </a:solidFill>
-              </a:rPr>
-              <a:t>移方程：</a:t>
-            </a:r>
-            <a:endParaRPr lang="en-US" altLang="zh-CN" sz="4000" dirty="0">
-              <a:solidFill>
-                <a:srgbClr val="FF0000"/>
-              </a:solidFill>
-            </a:endParaRPr>
-          </a:p>
-          <a:p>
+              <a:t>1 </a:t>
+            </a:r>
+            <a:r>
+              <a:rPr lang="zh-CN" altLang="en-US" sz="4000" dirty="0" smtClean="0"/>
+              <a:t>、</a:t>
+            </a:r>
             <a:r>
               <a:rPr lang="en-US" altLang="zh-CN" sz="4000" dirty="0" smtClean="0"/>
-              <a:t>f(n) = min( f(n-11)+1 , f(n-5)+1 ,f(n-1)+1  )</a:t>
-            </a:r>
-          </a:p>
-          <a:p>
-            <a:endParaRPr lang="zh-CN" altLang="en-US" sz="4000" dirty="0" smtClean="0"/>
+              <a:t>5</a:t>
+            </a:r>
+            <a:r>
+              <a:rPr lang="zh-CN" altLang="en-US" sz="4000" dirty="0" smtClean="0"/>
+              <a:t>、</a:t>
+            </a:r>
+            <a:r>
+              <a:rPr lang="en-US" altLang="zh-CN" sz="4000" dirty="0" smtClean="0"/>
+              <a:t>10</a:t>
+            </a:r>
+            <a:r>
+              <a:rPr lang="zh-CN" altLang="en-US" sz="4000" dirty="0" smtClean="0"/>
+              <a:t/>
+            </a:r>
+            <a:br>
+              <a:rPr lang="zh-CN" altLang="en-US" sz="4000" dirty="0" smtClean="0"/>
+            </a:br>
+            <a:r>
+              <a:rPr lang="zh-CN" altLang="en-US" sz="4000" dirty="0" smtClean="0"/>
+              <a:t>　　</a:t>
+            </a:r>
+            <a:r>
+              <a:rPr lang="en-US" altLang="zh-CN" sz="4000" dirty="0" smtClean="0"/>
+              <a:t>15= 1×10+1×5   2</a:t>
+            </a:r>
+            <a:r>
+              <a:rPr lang="zh-CN" altLang="en-US" sz="4000" dirty="0" smtClean="0"/>
+              <a:t>张  </a:t>
+            </a:r>
+            <a:r>
+              <a:rPr lang="en-US" altLang="zh-CN" sz="4000" dirty="0" smtClean="0"/>
+              <a:t>(</a:t>
+            </a:r>
+            <a:r>
+              <a:rPr lang="zh-CN" altLang="en-US" sz="4000" dirty="0" smtClean="0"/>
+              <a:t>贪心策略</a:t>
+            </a:r>
+            <a:r>
+              <a:rPr lang="en-US" altLang="zh-CN" sz="4000" dirty="0" smtClean="0"/>
+              <a:t>)</a:t>
+            </a:r>
+            <a:r>
+              <a:rPr lang="zh-CN" altLang="en-US" sz="4000" dirty="0" smtClean="0"/>
+              <a:t/>
+            </a:r>
+            <a:br>
+              <a:rPr lang="zh-CN" altLang="en-US" sz="4000" dirty="0" smtClean="0"/>
+            </a:br>
+            <a:endParaRPr lang="zh-CN" altLang="en-US" sz="4000" dirty="0"/>
           </a:p>
         </p:txBody>
       </p:sp>
     </p:spTree>
     <p:extLst>
       <p:ext uri="{BB962C8B-B14F-4D97-AF65-F5344CB8AC3E}">
-        <p14:creationId xmlns:p14="http://schemas.microsoft.com/office/powerpoint/2010/main" val="2711615928"/>
+        <p14:creationId xmlns:p14="http://schemas.microsoft.com/office/powerpoint/2010/main" val="3012007878"/>
       </p:ext>
     </p:extLst>
   </p:cSld>
@@ -6364,72 +6375,62 @@
       </p:grpSpPr>
       <p:sp>
         <p:nvSpPr>
-          <p:cNvPr id="4" name="矩形 3"/>
+          <p:cNvPr id="2" name="矩形 1"/>
           <p:cNvSpPr/>
           <p:nvPr/>
         </p:nvSpPr>
         <p:spPr>
           <a:xfrm>
-            <a:off x="585457" y="892356"/>
-            <a:ext cx="7933853" cy="1477328"/>
+            <a:off x="875168" y="528481"/>
+            <a:ext cx="6096000" cy="2308324"/>
           </a:xfrm>
           <a:prstGeom prst="rect">
             <a:avLst/>
           </a:prstGeom>
         </p:spPr>
         <p:txBody>
-          <a:bodyPr wrap="square">
+          <a:bodyPr>
             <a:spAutoFit/>
           </a:bodyPr>
           <a:lstStyle/>
           <a:p>
             <a:r>
-              <a:rPr lang="en-US" altLang="zh-CN" dirty="0" smtClean="0"/>
-              <a:t>def </a:t>
-            </a:r>
-            <a:r>
-              <a:rPr lang="en-US" altLang="zh-CN" dirty="0"/>
-              <a:t>maxSubArray(self, num) -&gt; int:</a:t>
-            </a:r>
-          </a:p>
-          <a:p>
-            <a:r>
-              <a:rPr lang="en-US" altLang="zh-CN" dirty="0"/>
-              <a:t>        if len(num)&lt;=1:</a:t>
-            </a:r>
-          </a:p>
-          <a:p>
-            <a:r>
-              <a:rPr lang="en-US" altLang="zh-CN" dirty="0"/>
-              <a:t>            return sum(num)</a:t>
-            </a:r>
-          </a:p>
-          <a:p>
-            <a:r>
-              <a:rPr lang="en-US" altLang="zh-CN" dirty="0"/>
-              <a:t>        res = sum(num)</a:t>
-            </a:r>
-          </a:p>
-          <a:p>
-            <a:r>
-              <a:rPr lang="en-US" altLang="zh-CN" dirty="0"/>
-              <a:t>        return max(res, </a:t>
-            </a:r>
-            <a:r>
-              <a:rPr lang="en-US" altLang="zh-CN" dirty="0" smtClean="0"/>
-              <a:t>maxSubArray(num[1</a:t>
-            </a:r>
-            <a:r>
-              <a:rPr lang="en-US" altLang="zh-CN" dirty="0"/>
-              <a:t>:]), </a:t>
-            </a:r>
-            <a:r>
-              <a:rPr lang="en-US" altLang="zh-CN" dirty="0" smtClean="0"/>
-              <a:t>maxSubArray(num</a:t>
-            </a:r>
-            <a:r>
-              <a:rPr lang="en-US" altLang="zh-CN" dirty="0"/>
-              <a:t>[:-1]))</a:t>
+              <a:rPr lang="zh-CN" altLang="en-US" dirty="0"/>
+              <a:t>给定一个整数数组 nums ，找到一个具有最大和的连续子数组（子数组最少包含一个元素），返回其最大和。</a:t>
+            </a:r>
+          </a:p>
+          <a:p>
+            <a:endParaRPr lang="zh-CN" altLang="en-US" dirty="0"/>
+          </a:p>
+          <a:p>
+            <a:r>
+              <a:rPr lang="zh-CN" altLang="en-US" dirty="0"/>
+              <a:t>示例:</a:t>
+            </a:r>
+          </a:p>
+          <a:p>
+            <a:endParaRPr lang="zh-CN" altLang="en-US" dirty="0"/>
+          </a:p>
+          <a:p>
+            <a:r>
+              <a:rPr lang="zh-CN" altLang="en-US" dirty="0"/>
+              <a:t>输入: [-2,1,-3,4,-1,2,1,-5,4]</a:t>
+            </a:r>
+          </a:p>
+          <a:p>
+            <a:r>
+              <a:rPr lang="zh-CN" altLang="en-US" dirty="0"/>
+              <a:t>输出: 6</a:t>
+            </a:r>
+          </a:p>
+          <a:p>
+            <a:r>
+              <a:rPr lang="zh-CN" altLang="en-US" dirty="0"/>
+              <a:t>解释: 连续子数组 [4,-1,2,1] 的和最大，为 6</a:t>
+            </a:r>
+            <a:r>
+              <a:rPr lang="zh-CN" altLang="en-US" dirty="0" smtClean="0"/>
+              <a:t>。</a:t>
             </a:r>
             <a:endParaRPr lang="zh-CN" altLang="en-US" dirty="0"/>
           </a:p>
@@ -6438,7 +6439,7 @@
     </p:spTree>
     <p:extLst>
       <p:ext uri="{BB962C8B-B14F-4D97-AF65-F5344CB8AC3E}">
-        <p14:creationId xmlns:p14="http://schemas.microsoft.com/office/powerpoint/2010/main" val="3622548073"/>
+        <p14:creationId xmlns:p14="http://schemas.microsoft.com/office/powerpoint/2010/main" val="1470168313"/>
       </p:ext>
     </p:extLst>
   </p:cSld>
@@ -6474,112 +6475,32 @@
       </p:grpSpPr>
       <p:sp>
         <p:nvSpPr>
-          <p:cNvPr id="2" name="矩形 1"/>
+          <p:cNvPr id="4" name="矩形 3"/>
           <p:cNvSpPr/>
           <p:nvPr/>
         </p:nvSpPr>
         <p:spPr>
           <a:xfrm>
-            <a:off x="967851" y="664097"/>
-            <a:ext cx="5277407" cy="1754326"/>
+            <a:off x="585457" y="892356"/>
+            <a:ext cx="7933853" cy="1477328"/>
           </a:xfrm>
           <a:prstGeom prst="rect">
             <a:avLst/>
           </a:prstGeom>
         </p:spPr>
         <p:txBody>
-          <a:bodyPr wrap="none">
+          <a:bodyPr wrap="square">
             <a:spAutoFit/>
           </a:bodyPr>
           <a:lstStyle/>
           <a:p>
             <a:r>
               <a:rPr lang="en-US" altLang="zh-CN" dirty="0" smtClean="0"/>
-              <a:t>f(i) </a:t>
-            </a:r>
-            <a:r>
-              <a:rPr lang="zh-CN" altLang="en-US" dirty="0" smtClean="0"/>
-              <a:t>代表以第 </a:t>
-            </a:r>
-            <a:r>
-              <a:rPr lang="en-US" altLang="zh-CN" dirty="0" smtClean="0"/>
-              <a:t>i </a:t>
-            </a:r>
-            <a:r>
-              <a:rPr lang="zh-CN" altLang="en-US" dirty="0" smtClean="0"/>
-              <a:t>个数结尾的「连续子数组的最大和」</a:t>
-            </a:r>
-            <a:endParaRPr lang="en-US" altLang="zh-CN" dirty="0" smtClean="0"/>
-          </a:p>
-          <a:p>
+              <a:t>def </a:t>
+            </a:r>
             <a:r>
               <a:rPr lang="en-US" altLang="zh-CN" dirty="0"/>
-              <a:t>m</a:t>
-            </a:r>
-            <a:r>
-              <a:rPr lang="en-US" altLang="zh-CN" dirty="0" smtClean="0"/>
-              <a:t>ax{ f(0), f(1), f(2),  ...  , f(i), ...  , f(n-1) } </a:t>
-            </a:r>
-            <a:endParaRPr lang="en-US" altLang="zh-CN" dirty="0"/>
-          </a:p>
-          <a:p>
-            <a:endParaRPr lang="en-US" altLang="zh-CN" dirty="0" smtClean="0"/>
-          </a:p>
-          <a:p>
-            <a:endParaRPr lang="en-US" altLang="zh-CN" dirty="0" smtClean="0"/>
-          </a:p>
-          <a:p>
-            <a:r>
-              <a:rPr lang="zh-CN" altLang="en-US" dirty="0"/>
-              <a:t>如</a:t>
-            </a:r>
-            <a:r>
-              <a:rPr lang="zh-CN" altLang="en-US" dirty="0" smtClean="0"/>
-              <a:t>何求</a:t>
-            </a:r>
-            <a:r>
-              <a:rPr lang="en-US" altLang="zh-CN" dirty="0" smtClean="0"/>
-              <a:t>f(i)  </a:t>
-            </a:r>
-            <a:r>
-              <a:rPr lang="zh-CN" altLang="en-US" dirty="0" smtClean="0"/>
-              <a:t>按照如下转移方程：</a:t>
-            </a:r>
-            <a:endParaRPr lang="en-US" altLang="zh-CN" dirty="0" smtClean="0"/>
-          </a:p>
-          <a:p>
-            <a:r>
-              <a:rPr lang="en-US" altLang="zh-CN" dirty="0" smtClean="0"/>
-              <a:t>f(i)=max{f(i−1)+nums[i],nums[i]}</a:t>
-            </a:r>
-            <a:endParaRPr lang="zh-CN" altLang="en-US" dirty="0"/>
-          </a:p>
-        </p:txBody>
-      </p:sp>
-      <p:sp>
-        <p:nvSpPr>
-          <p:cNvPr id="3" name="矩形 2"/>
-          <p:cNvSpPr/>
-          <p:nvPr/>
-        </p:nvSpPr>
-        <p:spPr>
-          <a:xfrm>
-            <a:off x="967851" y="2939399"/>
-            <a:ext cx="6096000" cy="2862322"/>
-          </a:xfrm>
-          <a:prstGeom prst="rect">
-            <a:avLst/>
-          </a:prstGeom>
-        </p:spPr>
-        <p:txBody>
-          <a:bodyPr>
-            <a:spAutoFit/>
-          </a:bodyPr>
-          <a:lstStyle/>
-          <a:p>
-            <a:r>
-              <a:rPr lang="en-US" altLang="zh-CN" dirty="0"/>
-              <a:t> def maxSubArray(self, num) -&gt; int:</a:t>
+              <a:t>maxSubArray(self, num) -&gt; int:</a:t>
             </a:r>
           </a:p>
           <a:p>
@@ -6597,192 +6518,29 @@
           <a:p>
             <a:r>
               <a:rPr lang="en-US" altLang="zh-CN" dirty="0"/>
-              <a:t>        res = num[0]</a:t>
+              <a:t>        res = sum(num)</a:t>
             </a:r>
           </a:p>
           <a:p>
             <a:r>
               <a:rPr lang="en-US" altLang="zh-CN" dirty="0"/>
-              <a:t>        pre = 0</a:t>
-            </a:r>
-          </a:p>
-          <a:p>
-            <a:endParaRPr lang="en-US" altLang="zh-CN" dirty="0"/>
-          </a:p>
-          <a:p>
+              <a:t>        return max(res, </a:t>
+            </a:r>
+            <a:r>
+              <a:rPr lang="en-US" altLang="zh-CN" dirty="0" smtClean="0"/>
+              <a:t>maxSubArray(num[1</a:t>
+            </a:r>
             <a:r>
               <a:rPr lang="en-US" altLang="zh-CN" dirty="0"/>
-              <a:t>        for i in range(len(num)):</a:t>
-            </a:r>
-          </a:p>
-          <a:p>
+              <a:t>:]), </a:t>
+            </a:r>
+            <a:r>
+              <a:rPr lang="en-US" altLang="zh-CN" dirty="0" smtClean="0"/>
+              <a:t>maxSubArray(num</a:t>
+            </a:r>
             <a:r>
               <a:rPr lang="en-US" altLang="zh-CN" dirty="0"/>
-              <a:t>            pre = max(pre+num[i],num[i])</a:t>
-            </a:r>
-          </a:p>
-          <a:p>
-            <a:r>
-              <a:rPr lang="en-US" altLang="zh-CN" dirty="0"/>
-              <a:t>            res = max(res,pre)</a:t>
-            </a:r>
-          </a:p>
-          <a:p>
-            <a:r>
-              <a:rPr lang="en-US" altLang="zh-CN" dirty="0"/>
-              <a:t>        return res</a:t>
-            </a:r>
-            <a:endParaRPr lang="zh-CN" altLang="en-US" dirty="0"/>
-          </a:p>
-        </p:txBody>
-      </p:sp>
-      <p:sp>
-        <p:nvSpPr>
-          <p:cNvPr id="5" name="矩形 4"/>
-          <p:cNvSpPr/>
-          <p:nvPr/>
-        </p:nvSpPr>
-        <p:spPr>
-          <a:xfrm>
-            <a:off x="6370622" y="117693"/>
-            <a:ext cx="6096000" cy="6740307"/>
-          </a:xfrm>
-          <a:prstGeom prst="rect">
-            <a:avLst/>
-          </a:prstGeom>
-        </p:spPr>
-        <p:txBody>
-          <a:bodyPr>
-            <a:spAutoFit/>
-          </a:bodyPr>
-          <a:lstStyle/>
-          <a:p>
-            <a:r>
-              <a:rPr lang="en-US" altLang="zh-CN" dirty="0"/>
-              <a:t> def maxSubArray(self, num) -&gt; int:</a:t>
-            </a:r>
-          </a:p>
-          <a:p>
-            <a:r>
-              <a:rPr lang="en-US" altLang="zh-CN" dirty="0"/>
-              <a:t>        if len(num)&lt;=1:</a:t>
-            </a:r>
-          </a:p>
-          <a:p>
-            <a:r>
-              <a:rPr lang="en-US" altLang="zh-CN" dirty="0"/>
-              <a:t>            return sum(num)</a:t>
-            </a:r>
-          </a:p>
-          <a:p>
-            <a:endParaRPr lang="en-US" altLang="zh-CN" dirty="0"/>
-          </a:p>
-          <a:p>
-            <a:r>
-              <a:rPr lang="en-US" altLang="zh-CN" dirty="0"/>
-              <a:t>        tmp = []</a:t>
-            </a:r>
-          </a:p>
-          <a:p>
-            <a:r>
-              <a:rPr lang="en-US" altLang="zh-CN" dirty="0"/>
-              <a:t>        tmp.append(num[0])</a:t>
-            </a:r>
-          </a:p>
-          <a:p>
-            <a:endParaRPr lang="en-US" altLang="zh-CN" dirty="0"/>
-          </a:p>
-          <a:p>
-            <a:r>
-              <a:rPr lang="en-US" altLang="zh-CN" dirty="0"/>
-              <a:t>        arr_arr = []</a:t>
-            </a:r>
-          </a:p>
-          <a:p>
-            <a:r>
-              <a:rPr lang="en-US" altLang="zh-CN" dirty="0"/>
-              <a:t>        arr_arr.append([num[0]])</a:t>
-            </a:r>
-          </a:p>
-          <a:p>
-            <a:endParaRPr lang="en-US" altLang="zh-CN" dirty="0"/>
-          </a:p>
-          <a:p>
-            <a:r>
-              <a:rPr lang="en-US" altLang="zh-CN" dirty="0"/>
-              <a:t>        for i in range(1, len(num)):</a:t>
-            </a:r>
-          </a:p>
-          <a:p>
-            <a:r>
-              <a:rPr lang="en-US" altLang="zh-CN" dirty="0"/>
-              <a:t>            if tmp[i-1]+num[i]&gt;num[i]:</a:t>
-            </a:r>
-          </a:p>
-          <a:p>
-            <a:r>
-              <a:rPr lang="en-US" altLang="zh-CN" dirty="0"/>
-              <a:t>                tmp.append(tmp[i-1]+num[i])</a:t>
-            </a:r>
-          </a:p>
-          <a:p>
-            <a:r>
-              <a:rPr lang="en-US" altLang="zh-CN" dirty="0"/>
-              <a:t>                tl = arr_arr[i-1][:]</a:t>
-            </a:r>
-          </a:p>
-          <a:p>
-            <a:r>
-              <a:rPr lang="en-US" altLang="zh-CN" dirty="0"/>
-              <a:t>                tl.append(num[i])</a:t>
-            </a:r>
-          </a:p>
-          <a:p>
-            <a:r>
-              <a:rPr lang="en-US" altLang="zh-CN" dirty="0"/>
-              <a:t>                arr_arr.append(tl)</a:t>
-            </a:r>
-          </a:p>
-          <a:p>
-            <a:r>
-              <a:rPr lang="en-US" altLang="zh-CN" dirty="0"/>
-              <a:t>            else:</a:t>
-            </a:r>
-          </a:p>
-          <a:p>
-            <a:r>
-              <a:rPr lang="en-US" altLang="zh-CN" dirty="0"/>
-              <a:t>                tmp.append(num[i])</a:t>
-            </a:r>
-          </a:p>
-          <a:p>
-            <a:r>
-              <a:rPr lang="en-US" altLang="zh-CN" dirty="0"/>
-              <a:t>                arr_arr.append([num[i]])</a:t>
-            </a:r>
-          </a:p>
-          <a:p>
-            <a:endParaRPr lang="en-US" altLang="zh-CN" dirty="0"/>
-          </a:p>
-          <a:p>
-            <a:r>
-              <a:rPr lang="en-US" altLang="zh-CN" dirty="0"/>
-              <a:t>        print(tmp)</a:t>
-            </a:r>
-          </a:p>
-          <a:p>
-            <a:r>
-              <a:rPr lang="en-US" altLang="zh-CN" dirty="0"/>
-              <a:t>        print(arr_arr)</a:t>
-            </a:r>
-          </a:p>
-          <a:p>
-            <a:endParaRPr lang="en-US" altLang="zh-CN" dirty="0"/>
-          </a:p>
-          <a:p>
-            <a:r>
-              <a:rPr lang="en-US" altLang="zh-CN" dirty="0"/>
-              <a:t>        return max(tmp)</a:t>
+              <a:t>[:-1]))</a:t>
             </a:r>
             <a:endParaRPr lang="zh-CN" altLang="en-US" dirty="0"/>
           </a:p>
@@ -6791,7 +6549,7 @@
     </p:spTree>
     <p:extLst>
       <p:ext uri="{BB962C8B-B14F-4D97-AF65-F5344CB8AC3E}">
-        <p14:creationId xmlns:p14="http://schemas.microsoft.com/office/powerpoint/2010/main" val="82184888"/>
+        <p14:creationId xmlns:p14="http://schemas.microsoft.com/office/powerpoint/2010/main" val="3622548073"/>
       </p:ext>
     </p:extLst>
   </p:cSld>
@@ -6833,201 +6591,309 @@
         </p:nvSpPr>
         <p:spPr>
           <a:xfrm>
-            <a:off x="1617552" y="1663636"/>
-            <a:ext cx="6096000" cy="3139321"/>
+            <a:off x="967851" y="664097"/>
+            <a:ext cx="5277407" cy="1754326"/>
           </a:xfrm>
           <a:prstGeom prst="rect">
             <a:avLst/>
           </a:prstGeom>
         </p:spPr>
         <p:txBody>
-          <a:bodyPr>
+          <a:bodyPr wrap="none">
             <a:spAutoFit/>
           </a:bodyPr>
           <a:lstStyle/>
           <a:p>
+            <a:r>
+              <a:rPr lang="en-US" altLang="zh-CN" dirty="0" smtClean="0"/>
+              <a:t>f(i) </a:t>
+            </a:r>
+            <a:r>
+              <a:rPr lang="zh-CN" altLang="en-US" dirty="0" smtClean="0"/>
+              <a:t>代表以第 </a:t>
+            </a:r>
+            <a:r>
+              <a:rPr lang="en-US" altLang="zh-CN" dirty="0" smtClean="0"/>
+              <a:t>i </a:t>
+            </a:r>
+            <a:r>
+              <a:rPr lang="zh-CN" altLang="en-US" dirty="0" smtClean="0"/>
+              <a:t>个数结尾的「连续子数组的最大和」</a:t>
+            </a:r>
             <a:endParaRPr lang="en-US" altLang="zh-CN" dirty="0" smtClean="0"/>
           </a:p>
           <a:p>
             <a:r>
               <a:rPr lang="en-US" altLang="zh-CN" dirty="0"/>
-              <a:t>-2</a:t>
+              <a:t>m</a:t>
             </a:r>
             <a:r>
               <a:rPr lang="en-US" altLang="zh-CN" dirty="0" smtClean="0"/>
-              <a:t>    </a:t>
+              <a:t>ax{ f(0), f(1), f(2),  ...  , f(i), ...  , f(n-1) } </a:t>
+            </a:r>
+            <a:endParaRPr lang="en-US" altLang="zh-CN" dirty="0"/>
+          </a:p>
+          <a:p>
+            <a:endParaRPr lang="en-US" altLang="zh-CN" dirty="0" smtClean="0"/>
+          </a:p>
+          <a:p>
+            <a:endParaRPr lang="en-US" altLang="zh-CN" dirty="0" smtClean="0"/>
+          </a:p>
+          <a:p>
+            <a:r>
+              <a:rPr lang="zh-CN" altLang="en-US" dirty="0"/>
+              <a:t>如</a:t>
             </a:r>
             <a:r>
               <a:rPr lang="zh-CN" altLang="en-US" dirty="0" smtClean="0"/>
-              <a:t>-2   [-</a:t>
-            </a:r>
-            <a:r>
-              <a:rPr lang="zh-CN" altLang="en-US" dirty="0"/>
-              <a:t>2], </a:t>
+              <a:t>何求</a:t>
+            </a:r>
+            <a:r>
+              <a:rPr lang="en-US" altLang="zh-CN" dirty="0" smtClean="0"/>
+              <a:t>f(i)  </a:t>
+            </a:r>
+            <a:r>
+              <a:rPr lang="zh-CN" altLang="en-US" dirty="0" smtClean="0"/>
+              <a:t>按照如下转移方程：</a:t>
             </a:r>
             <a:endParaRPr lang="en-US" altLang="zh-CN" dirty="0" smtClean="0"/>
           </a:p>
           <a:p>
             <a:r>
               <a:rPr lang="en-US" altLang="zh-CN" dirty="0" smtClean="0"/>
-              <a:t>1     </a:t>
-            </a:r>
-            <a:r>
-              <a:rPr lang="zh-CN" altLang="en-US" dirty="0" smtClean="0"/>
-              <a:t>1     [1</a:t>
-            </a:r>
-            <a:r>
-              <a:rPr lang="zh-CN" altLang="en-US" dirty="0"/>
-              <a:t>], </a:t>
-            </a:r>
-            <a:endParaRPr lang="en-US" altLang="zh-CN" dirty="0" smtClean="0"/>
-          </a:p>
-          <a:p>
-            <a:r>
-              <a:rPr lang="en-US" altLang="zh-CN" dirty="0" smtClean="0"/>
-              <a:t>-3   </a:t>
-            </a:r>
-            <a:r>
-              <a:rPr lang="zh-CN" altLang="en-US" dirty="0" smtClean="0"/>
-              <a:t>-2    [1</a:t>
-            </a:r>
-            <a:r>
-              <a:rPr lang="zh-CN" altLang="en-US" dirty="0"/>
-              <a:t>, -3], </a:t>
-            </a:r>
-            <a:endParaRPr lang="en-US" altLang="zh-CN" dirty="0" smtClean="0"/>
-          </a:p>
-          <a:p>
-            <a:r>
-              <a:rPr lang="en-US" altLang="zh-CN" dirty="0" smtClean="0"/>
-              <a:t>4     </a:t>
-            </a:r>
-            <a:r>
-              <a:rPr lang="zh-CN" altLang="en-US" dirty="0" smtClean="0"/>
-              <a:t>4     [4</a:t>
-            </a:r>
-            <a:r>
-              <a:rPr lang="zh-CN" altLang="en-US" dirty="0"/>
-              <a:t>], </a:t>
-            </a:r>
-            <a:endParaRPr lang="en-US" altLang="zh-CN" dirty="0" smtClean="0"/>
-          </a:p>
-          <a:p>
-            <a:r>
-              <a:rPr lang="en-US" altLang="zh-CN" dirty="0" smtClean="0"/>
-              <a:t>-1    </a:t>
-            </a:r>
-            <a:r>
-              <a:rPr lang="zh-CN" altLang="en-US" dirty="0" smtClean="0"/>
-              <a:t>3     [4</a:t>
-            </a:r>
-            <a:r>
-              <a:rPr lang="zh-CN" altLang="en-US" dirty="0"/>
-              <a:t>, -1], </a:t>
-            </a:r>
-            <a:endParaRPr lang="en-US" altLang="zh-CN" dirty="0" smtClean="0"/>
-          </a:p>
-          <a:p>
-            <a:r>
-              <a:rPr lang="en-US" altLang="zh-CN" dirty="0" smtClean="0"/>
-              <a:t>2     </a:t>
-            </a:r>
-            <a:r>
-              <a:rPr lang="zh-CN" altLang="en-US" dirty="0" smtClean="0"/>
-              <a:t>5     [4</a:t>
-            </a:r>
-            <a:r>
-              <a:rPr lang="zh-CN" altLang="en-US" dirty="0"/>
-              <a:t>, -1, 2], </a:t>
-            </a:r>
-            <a:endParaRPr lang="en-US" altLang="zh-CN" dirty="0" smtClean="0"/>
-          </a:p>
-          <a:p>
-            <a:r>
-              <a:rPr lang="en-US" altLang="zh-CN" dirty="0" smtClean="0"/>
-              <a:t>1     </a:t>
-            </a:r>
-            <a:r>
-              <a:rPr lang="zh-CN" altLang="en-US" dirty="0" smtClean="0"/>
-              <a:t>6     [4</a:t>
-            </a:r>
-            <a:r>
-              <a:rPr lang="zh-CN" altLang="en-US" dirty="0"/>
-              <a:t>, -1, 2, 1], </a:t>
-            </a:r>
-            <a:endParaRPr lang="en-US" altLang="zh-CN" dirty="0" smtClean="0"/>
-          </a:p>
-          <a:p>
-            <a:r>
-              <a:rPr lang="en-US" altLang="zh-CN" dirty="0" smtClean="0"/>
-              <a:t>-5    </a:t>
-            </a:r>
-            <a:r>
-              <a:rPr lang="zh-CN" altLang="en-US" dirty="0" smtClean="0"/>
-              <a:t>1     [4</a:t>
-            </a:r>
-            <a:r>
-              <a:rPr lang="zh-CN" altLang="en-US" dirty="0"/>
-              <a:t>, -1, 2, 1, -5], </a:t>
-            </a:r>
-            <a:endParaRPr lang="en-US" altLang="zh-CN" dirty="0" smtClean="0"/>
-          </a:p>
-          <a:p>
-            <a:r>
-              <a:rPr lang="en-US" altLang="zh-CN" dirty="0" smtClean="0"/>
-              <a:t>4     </a:t>
-            </a:r>
-            <a:r>
-              <a:rPr lang="zh-CN" altLang="en-US" dirty="0" smtClean="0"/>
-              <a:t>5     [4</a:t>
-            </a:r>
-            <a:r>
-              <a:rPr lang="zh-CN" altLang="en-US" dirty="0"/>
-              <a:t>, -1, 2, 1, -5, 4</a:t>
-            </a:r>
-            <a:r>
-              <a:rPr lang="zh-CN" altLang="en-US" dirty="0" smtClean="0"/>
-              <a:t>]</a:t>
-            </a:r>
-            <a:endParaRPr lang="en-US" altLang="zh-CN" dirty="0" smtClean="0"/>
-          </a:p>
-          <a:p>
+              <a:t>f(i)=max{f(i−1)+nums[i],nums[i]}</a:t>
+            </a:r>
             <a:endParaRPr lang="zh-CN" altLang="en-US" dirty="0"/>
           </a:p>
         </p:txBody>
       </p:sp>
       <p:sp>
         <p:nvSpPr>
-          <p:cNvPr id="5" name="矩形 4"/>
+          <p:cNvPr id="3" name="矩形 2"/>
           <p:cNvSpPr/>
           <p:nvPr/>
         </p:nvSpPr>
         <p:spPr>
           <a:xfrm>
-            <a:off x="1237883" y="1008129"/>
-            <a:ext cx="3926652" cy="369332"/>
+            <a:off x="967851" y="2939399"/>
+            <a:ext cx="6096000" cy="2862322"/>
           </a:xfrm>
           <a:prstGeom prst="rect">
             <a:avLst/>
           </a:prstGeom>
         </p:spPr>
         <p:txBody>
-          <a:bodyPr wrap="none">
+          <a:bodyPr>
             <a:spAutoFit/>
           </a:bodyPr>
           <a:lstStyle/>
           <a:p>
             <a:r>
-              <a:rPr lang="zh-CN" altLang="en-US" dirty="0" smtClean="0"/>
-              <a:t>输入的</a:t>
-            </a:r>
-            <a:r>
-              <a:rPr lang="en-US" altLang="zh-CN" dirty="0" smtClean="0"/>
-              <a:t>array    [-</a:t>
-            </a:r>
-            <a:r>
               <a:rPr lang="en-US" altLang="zh-CN" dirty="0"/>
-              <a:t>2, 1, -3, 4, -1, 2, 1, -5, 4]</a:t>
+              <a:t> def maxSubArray(self, num) -&gt; int:</a:t>
+            </a:r>
+          </a:p>
+          <a:p>
+            <a:r>
+              <a:rPr lang="en-US" altLang="zh-CN" dirty="0"/>
+              <a:t>        if len(num)&lt;=1:</a:t>
+            </a:r>
+          </a:p>
+          <a:p>
+            <a:r>
+              <a:rPr lang="en-US" altLang="zh-CN" dirty="0"/>
+              <a:t>            return sum(num)</a:t>
+            </a:r>
+          </a:p>
+          <a:p>
+            <a:r>
+              <a:rPr lang="en-US" altLang="zh-CN" dirty="0"/>
+              <a:t>        res = num[0]</a:t>
+            </a:r>
+          </a:p>
+          <a:p>
+            <a:r>
+              <a:rPr lang="en-US" altLang="zh-CN" dirty="0"/>
+              <a:t>        pre = 0</a:t>
+            </a:r>
+          </a:p>
+          <a:p>
+            <a:endParaRPr lang="en-US" altLang="zh-CN" dirty="0"/>
+          </a:p>
+          <a:p>
+            <a:r>
+              <a:rPr lang="en-US" altLang="zh-CN" dirty="0"/>
+              <a:t>        for i in range(len(num)):</a:t>
+            </a:r>
+          </a:p>
+          <a:p>
+            <a:r>
+              <a:rPr lang="en-US" altLang="zh-CN" dirty="0"/>
+              <a:t>            pre = max(pre+num[i],num[i])</a:t>
+            </a:r>
+          </a:p>
+          <a:p>
+            <a:r>
+              <a:rPr lang="en-US" altLang="zh-CN" dirty="0"/>
+              <a:t>            res = max(res,pre)</a:t>
+            </a:r>
+          </a:p>
+          <a:p>
+            <a:r>
+              <a:rPr lang="en-US" altLang="zh-CN" dirty="0"/>
+              <a:t>        return res</a:t>
+            </a:r>
+            <a:endParaRPr lang="zh-CN" altLang="en-US" dirty="0"/>
+          </a:p>
+        </p:txBody>
+      </p:sp>
+      <p:sp>
+        <p:nvSpPr>
+          <p:cNvPr id="5" name="矩形 4"/>
+          <p:cNvSpPr/>
+          <p:nvPr/>
+        </p:nvSpPr>
+        <p:spPr>
+          <a:xfrm>
+            <a:off x="6370622" y="117693"/>
+            <a:ext cx="6096000" cy="6740307"/>
+          </a:xfrm>
+          <a:prstGeom prst="rect">
+            <a:avLst/>
+          </a:prstGeom>
+        </p:spPr>
+        <p:txBody>
+          <a:bodyPr>
+            <a:spAutoFit/>
+          </a:bodyPr>
+          <a:lstStyle/>
+          <a:p>
+            <a:r>
+              <a:rPr lang="en-US" altLang="zh-CN" dirty="0"/>
+              <a:t> def maxSubArray(self, num) -&gt; int:</a:t>
+            </a:r>
+          </a:p>
+          <a:p>
+            <a:r>
+              <a:rPr lang="en-US" altLang="zh-CN" dirty="0"/>
+              <a:t>        if len(num)&lt;=1:</a:t>
+            </a:r>
+          </a:p>
+          <a:p>
+            <a:r>
+              <a:rPr lang="en-US" altLang="zh-CN" dirty="0"/>
+              <a:t>            return sum(num)</a:t>
+            </a:r>
+          </a:p>
+          <a:p>
+            <a:endParaRPr lang="en-US" altLang="zh-CN" dirty="0"/>
+          </a:p>
+          <a:p>
+            <a:r>
+              <a:rPr lang="en-US" altLang="zh-CN" dirty="0"/>
+              <a:t>        tmp = []</a:t>
+            </a:r>
+          </a:p>
+          <a:p>
+            <a:r>
+              <a:rPr lang="en-US" altLang="zh-CN" dirty="0"/>
+              <a:t>        tmp.append(num[0])</a:t>
+            </a:r>
+          </a:p>
+          <a:p>
+            <a:endParaRPr lang="en-US" altLang="zh-CN" dirty="0"/>
+          </a:p>
+          <a:p>
+            <a:r>
+              <a:rPr lang="en-US" altLang="zh-CN" dirty="0"/>
+              <a:t>        arr_arr = []</a:t>
+            </a:r>
+          </a:p>
+          <a:p>
+            <a:r>
+              <a:rPr lang="en-US" altLang="zh-CN" dirty="0"/>
+              <a:t>        arr_arr.append([num[0]])</a:t>
+            </a:r>
+          </a:p>
+          <a:p>
+            <a:endParaRPr lang="en-US" altLang="zh-CN" dirty="0"/>
+          </a:p>
+          <a:p>
+            <a:r>
+              <a:rPr lang="en-US" altLang="zh-CN" dirty="0"/>
+              <a:t>        for i in range(1, len(num)):</a:t>
+            </a:r>
+          </a:p>
+          <a:p>
+            <a:r>
+              <a:rPr lang="en-US" altLang="zh-CN" dirty="0"/>
+              <a:t>            if tmp[i-1]+num[i]&gt;num[i]:</a:t>
+            </a:r>
+          </a:p>
+          <a:p>
+            <a:r>
+              <a:rPr lang="en-US" altLang="zh-CN" dirty="0"/>
+              <a:t>                tmp.append(tmp[i-1]+num[i])</a:t>
+            </a:r>
+          </a:p>
+          <a:p>
+            <a:r>
+              <a:rPr lang="en-US" altLang="zh-CN" dirty="0"/>
+              <a:t>                tl = arr_arr[i-1][:]</a:t>
+            </a:r>
+          </a:p>
+          <a:p>
+            <a:r>
+              <a:rPr lang="en-US" altLang="zh-CN" dirty="0"/>
+              <a:t>                tl.append(num[i])</a:t>
+            </a:r>
+          </a:p>
+          <a:p>
+            <a:r>
+              <a:rPr lang="en-US" altLang="zh-CN" dirty="0"/>
+              <a:t>                arr_arr.append(tl)</a:t>
+            </a:r>
+          </a:p>
+          <a:p>
+            <a:r>
+              <a:rPr lang="en-US" altLang="zh-CN" dirty="0"/>
+              <a:t>            else:</a:t>
+            </a:r>
+          </a:p>
+          <a:p>
+            <a:r>
+              <a:rPr lang="en-US" altLang="zh-CN" dirty="0"/>
+              <a:t>                tmp.append(num[i])</a:t>
+            </a:r>
+          </a:p>
+          <a:p>
+            <a:r>
+              <a:rPr lang="en-US" altLang="zh-CN" dirty="0"/>
+              <a:t>                arr_arr.append([num[i]])</a:t>
+            </a:r>
+          </a:p>
+          <a:p>
+            <a:endParaRPr lang="en-US" altLang="zh-CN" dirty="0"/>
+          </a:p>
+          <a:p>
+            <a:r>
+              <a:rPr lang="en-US" altLang="zh-CN" dirty="0"/>
+              <a:t>        print(tmp)</a:t>
+            </a:r>
+          </a:p>
+          <a:p>
+            <a:r>
+              <a:rPr lang="en-US" altLang="zh-CN" dirty="0"/>
+              <a:t>        print(arr_arr)</a:t>
+            </a:r>
+          </a:p>
+          <a:p>
+            <a:endParaRPr lang="en-US" altLang="zh-CN" dirty="0"/>
+          </a:p>
+          <a:p>
+            <a:r>
+              <a:rPr lang="en-US" altLang="zh-CN" dirty="0"/>
+              <a:t>        return max(tmp)</a:t>
             </a:r>
             <a:endParaRPr lang="zh-CN" altLang="en-US" dirty="0"/>
           </a:p>
@@ -7036,7 +6902,7 @@
     </p:spTree>
     <p:extLst>
       <p:ext uri="{BB962C8B-B14F-4D97-AF65-F5344CB8AC3E}">
-        <p14:creationId xmlns:p14="http://schemas.microsoft.com/office/powerpoint/2010/main" val="1514154110"/>
+        <p14:creationId xmlns:p14="http://schemas.microsoft.com/office/powerpoint/2010/main" val="82184888"/>
       </p:ext>
     </p:extLst>
   </p:cSld>
@@ -7078,182 +6944,210 @@
         </p:nvSpPr>
         <p:spPr>
           <a:xfrm>
-            <a:off x="685045" y="951296"/>
-            <a:ext cx="10323969" cy="2862322"/>
+            <a:off x="1617552" y="1663636"/>
+            <a:ext cx="6096000" cy="3139321"/>
           </a:xfrm>
           <a:prstGeom prst="rect">
             <a:avLst/>
           </a:prstGeom>
         </p:spPr>
         <p:txBody>
-          <a:bodyPr wrap="square">
+          <a:bodyPr>
             <a:spAutoFit/>
           </a:bodyPr>
           <a:lstStyle/>
           <a:p>
+            <a:endParaRPr lang="en-US" altLang="zh-CN" dirty="0" smtClean="0"/>
+          </a:p>
+          <a:p>
             <a:r>
               <a:rPr lang="en-US" altLang="zh-CN" dirty="0"/>
-              <a:t>1.</a:t>
-            </a:r>
-            <a:r>
-              <a:rPr lang="zh-CN" altLang="en-US" dirty="0"/>
-              <a:t>分治算法的基本思想</a:t>
-            </a:r>
-          </a:p>
-          <a:p>
-            <a:pPr marL="285750" indent="-285750">
-              <a:buFont typeface="Arial" panose="020B0604020202020204" pitchFamily="34" charset="0"/>
-              <a:buChar char="•"/>
-            </a:pPr>
+              <a:t>-2</a:t>
+            </a:r>
+            <a:r>
+              <a:rPr lang="en-US" altLang="zh-CN" dirty="0" smtClean="0"/>
+              <a:t>    </a:t>
+            </a:r>
             <a:r>
               <a:rPr lang="zh-CN" altLang="en-US" dirty="0" smtClean="0"/>
-              <a:t>将</a:t>
-            </a:r>
-            <a:r>
-              <a:rPr lang="zh-CN" altLang="en-US" dirty="0"/>
-              <a:t>一个规模为</a:t>
+              <a:t>-2   [-</a:t>
+            </a:r>
+            <a:r>
+              <a:rPr lang="zh-CN" altLang="en-US" dirty="0"/>
+              <a:t>2], </a:t>
+            </a:r>
+            <a:endParaRPr lang="en-US" altLang="zh-CN" dirty="0" smtClean="0"/>
+          </a:p>
+          <a:p>
+            <a:r>
+              <a:rPr lang="en-US" altLang="zh-CN" dirty="0" smtClean="0"/>
+              <a:t>1     </a:t>
+            </a:r>
+            <a:r>
+              <a:rPr lang="zh-CN" altLang="en-US" dirty="0" smtClean="0"/>
+              <a:t>1     [1</a:t>
+            </a:r>
+            <a:r>
+              <a:rPr lang="zh-CN" altLang="en-US" dirty="0"/>
+              <a:t>], </a:t>
+            </a:r>
+            <a:endParaRPr lang="en-US" altLang="zh-CN" dirty="0" smtClean="0"/>
+          </a:p>
+          <a:p>
+            <a:r>
+              <a:rPr lang="en-US" altLang="zh-CN" dirty="0" smtClean="0"/>
+              <a:t>-3   </a:t>
+            </a:r>
+            <a:r>
+              <a:rPr lang="zh-CN" altLang="en-US" dirty="0" smtClean="0"/>
+              <a:t>-2    [1</a:t>
+            </a:r>
+            <a:r>
+              <a:rPr lang="zh-CN" altLang="en-US" dirty="0"/>
+              <a:t>, -3], </a:t>
+            </a:r>
+            <a:endParaRPr lang="en-US" altLang="zh-CN" dirty="0" smtClean="0"/>
+          </a:p>
+          <a:p>
+            <a:r>
+              <a:rPr lang="en-US" altLang="zh-CN" dirty="0" smtClean="0"/>
+              <a:t>4     </a:t>
+            </a:r>
+            <a:r>
+              <a:rPr lang="zh-CN" altLang="en-US" dirty="0" smtClean="0"/>
+              <a:t>4     [4</a:t>
+            </a:r>
+            <a:r>
+              <a:rPr lang="zh-CN" altLang="en-US" dirty="0"/>
+              <a:t>], </a:t>
+            </a:r>
+            <a:endParaRPr lang="en-US" altLang="zh-CN" dirty="0" smtClean="0"/>
+          </a:p>
+          <a:p>
+            <a:r>
+              <a:rPr lang="en-US" altLang="zh-CN" dirty="0" smtClean="0"/>
+              <a:t>-1    </a:t>
+            </a:r>
+            <a:r>
+              <a:rPr lang="zh-CN" altLang="en-US" dirty="0" smtClean="0"/>
+              <a:t>3     [4</a:t>
+            </a:r>
+            <a:r>
+              <a:rPr lang="zh-CN" altLang="en-US" dirty="0"/>
+              <a:t>, -1], </a:t>
+            </a:r>
+            <a:endParaRPr lang="en-US" altLang="zh-CN" dirty="0" smtClean="0"/>
+          </a:p>
+          <a:p>
+            <a:r>
+              <a:rPr lang="en-US" altLang="zh-CN" dirty="0" smtClean="0"/>
+              <a:t>2     </a:t>
+            </a:r>
+            <a:r>
+              <a:rPr lang="zh-CN" altLang="en-US" dirty="0" smtClean="0"/>
+              <a:t>5     [4</a:t>
+            </a:r>
+            <a:r>
+              <a:rPr lang="zh-CN" altLang="en-US" dirty="0"/>
+              <a:t>, -1, 2], </a:t>
+            </a:r>
+            <a:endParaRPr lang="en-US" altLang="zh-CN" dirty="0" smtClean="0"/>
+          </a:p>
+          <a:p>
+            <a:r>
+              <a:rPr lang="en-US" altLang="zh-CN" dirty="0" smtClean="0"/>
+              <a:t>1     </a:t>
+            </a:r>
+            <a:r>
+              <a:rPr lang="zh-CN" altLang="en-US" dirty="0" smtClean="0"/>
+              <a:t>6     [4</a:t>
+            </a:r>
+            <a:r>
+              <a:rPr lang="zh-CN" altLang="en-US" dirty="0"/>
+              <a:t>, -1, 2, 1], </a:t>
+            </a:r>
+            <a:endParaRPr lang="en-US" altLang="zh-CN" dirty="0" smtClean="0"/>
+          </a:p>
+          <a:p>
+            <a:r>
+              <a:rPr lang="en-US" altLang="zh-CN" dirty="0" smtClean="0"/>
+              <a:t>-5    </a:t>
+            </a:r>
+            <a:r>
+              <a:rPr lang="zh-CN" altLang="en-US" dirty="0" smtClean="0"/>
+              <a:t>1     [4</a:t>
+            </a:r>
+            <a:r>
+              <a:rPr lang="zh-CN" altLang="en-US" dirty="0"/>
+              <a:t>, -1, 2, 1, -5], </a:t>
+            </a:r>
+            <a:endParaRPr lang="en-US" altLang="zh-CN" dirty="0" smtClean="0"/>
+          </a:p>
+          <a:p>
+            <a:r>
+              <a:rPr lang="en-US" altLang="zh-CN" dirty="0" smtClean="0"/>
+              <a:t>4     </a:t>
+            </a:r>
+            <a:r>
+              <a:rPr lang="zh-CN" altLang="en-US" dirty="0" smtClean="0"/>
+              <a:t>5     [4</a:t>
+            </a:r>
+            <a:r>
+              <a:rPr lang="zh-CN" altLang="en-US" dirty="0"/>
+              <a:t>, -1, 2, 1, -5, 4</a:t>
+            </a:r>
+            <a:r>
+              <a:rPr lang="zh-CN" altLang="en-US" dirty="0" smtClean="0"/>
+              <a:t>]</a:t>
+            </a:r>
+            <a:endParaRPr lang="en-US" altLang="zh-CN" dirty="0" smtClean="0"/>
+          </a:p>
+          <a:p>
+            <a:endParaRPr lang="zh-CN" altLang="en-US" dirty="0"/>
+          </a:p>
+        </p:txBody>
+      </p:sp>
+      <p:sp>
+        <p:nvSpPr>
+          <p:cNvPr id="5" name="矩形 4"/>
+          <p:cNvSpPr/>
+          <p:nvPr/>
+        </p:nvSpPr>
+        <p:spPr>
+          <a:xfrm>
+            <a:off x="1237883" y="1008129"/>
+            <a:ext cx="3926652" cy="369332"/>
+          </a:xfrm>
+          <a:prstGeom prst="rect">
+            <a:avLst/>
+          </a:prstGeom>
+        </p:spPr>
+        <p:txBody>
+          <a:bodyPr wrap="none">
+            <a:spAutoFit/>
+          </a:bodyPr>
+          <a:lstStyle/>
+          <a:p>
+            <a:r>
+              <a:rPr lang="zh-CN" altLang="en-US" dirty="0" smtClean="0"/>
+              <a:t>输入的</a:t>
+            </a:r>
+            <a:r>
+              <a:rPr lang="en-US" altLang="zh-CN" dirty="0" smtClean="0"/>
+              <a:t>array    [-</a:t>
             </a:r>
             <a:r>
               <a:rPr lang="en-US" altLang="zh-CN" dirty="0"/>
-              <a:t>N</a:t>
-            </a:r>
-            <a:r>
-              <a:rPr lang="zh-CN" altLang="en-US" dirty="0"/>
-              <a:t>的问题，分解成</a:t>
-            </a:r>
-            <a:r>
-              <a:rPr lang="en-US" altLang="zh-CN" dirty="0"/>
-              <a:t>K</a:t>
-            </a:r>
-            <a:r>
-              <a:rPr lang="zh-CN" altLang="en-US" dirty="0"/>
-              <a:t>个规模较小的子问题，这些</a:t>
-            </a:r>
-            <a:r>
-              <a:rPr lang="zh-CN" altLang="en-US" b="1" dirty="0">
-                <a:solidFill>
-                  <a:srgbClr val="FF0000"/>
-                </a:solidFill>
-              </a:rPr>
-              <a:t>子问题相互独立且月原问题性质相同。</a:t>
-            </a:r>
-          </a:p>
-          <a:p>
-            <a:pPr marL="285750" indent="-285750">
-              <a:buFont typeface="Arial" panose="020B0604020202020204" pitchFamily="34" charset="0"/>
-              <a:buChar char="•"/>
-            </a:pPr>
-            <a:r>
-              <a:rPr lang="zh-CN" altLang="en-US" dirty="0"/>
-              <a:t>求解出子问题的解，合并得到原问题的解</a:t>
-            </a:r>
-            <a:r>
-              <a:rPr lang="zh-CN" altLang="en-US" dirty="0" smtClean="0"/>
-              <a:t>。</a:t>
-            </a:r>
-            <a:endParaRPr lang="en-US" altLang="zh-CN" dirty="0" smtClean="0"/>
-          </a:p>
-          <a:p>
+              <a:t>2, 1, -3, 4, -1, 2, 1, -5, 4]</a:t>
+            </a:r>
             <a:endParaRPr lang="zh-CN" altLang="en-US" dirty="0"/>
-          </a:p>
-          <a:p>
-            <a:r>
-              <a:rPr lang="en-US" altLang="zh-CN" dirty="0"/>
-              <a:t>2.</a:t>
-            </a:r>
-            <a:r>
-              <a:rPr lang="zh-CN" altLang="en-US" dirty="0"/>
-              <a:t>分治算法特征分析</a:t>
-            </a:r>
-          </a:p>
-          <a:p>
-            <a:r>
-              <a:rPr lang="zh-CN" altLang="en-US" dirty="0"/>
-              <a:t>分治法能解决的问题一般具有以下几个特征：</a:t>
-            </a:r>
-          </a:p>
-          <a:p>
-            <a:pPr marL="285750" indent="-285750">
-              <a:buFont typeface="Arial" panose="020B0604020202020204" pitchFamily="34" charset="0"/>
-              <a:buChar char="•"/>
-            </a:pPr>
-            <a:r>
-              <a:rPr lang="en-US" altLang="zh-CN" dirty="0"/>
-              <a:t>1) </a:t>
-            </a:r>
-            <a:r>
-              <a:rPr lang="zh-CN" altLang="en-US" dirty="0"/>
-              <a:t>该问题的规模缩小到一定程度就可以容易的解决；</a:t>
-            </a:r>
-          </a:p>
-          <a:p>
-            <a:pPr marL="285750" indent="-285750">
-              <a:buFont typeface="Arial" panose="020B0604020202020204" pitchFamily="34" charset="0"/>
-              <a:buChar char="•"/>
-            </a:pPr>
-            <a:r>
-              <a:rPr lang="en-US" altLang="zh-CN" dirty="0"/>
-              <a:t>2) </a:t>
-            </a:r>
-            <a:r>
-              <a:rPr lang="zh-CN" altLang="en-US" dirty="0"/>
-              <a:t>该问题可以分解为若干个规模较小的相同问题，即该问题具有</a:t>
-            </a:r>
-            <a:r>
-              <a:rPr lang="zh-CN" altLang="en-US" b="1" dirty="0">
-                <a:solidFill>
-                  <a:srgbClr val="FF0000"/>
-                </a:solidFill>
-              </a:rPr>
-              <a:t>最优子结构性质；</a:t>
-            </a:r>
-          </a:p>
-          <a:p>
-            <a:pPr marL="285750" indent="-285750">
-              <a:buFont typeface="Arial" panose="020B0604020202020204" pitchFamily="34" charset="0"/>
-              <a:buChar char="•"/>
-            </a:pPr>
-            <a:r>
-              <a:rPr lang="en-US" altLang="zh-CN" dirty="0"/>
-              <a:t>3) </a:t>
-            </a:r>
-            <a:r>
-              <a:rPr lang="zh-CN" altLang="en-US" dirty="0"/>
-              <a:t>利用该问题分解出子问题的解，可以合并为该问题的解；</a:t>
-            </a:r>
-          </a:p>
-          <a:p>
-            <a:pPr marL="285750" indent="-285750">
-              <a:buFont typeface="Arial" panose="020B0604020202020204" pitchFamily="34" charset="0"/>
-              <a:buChar char="•"/>
-            </a:pPr>
-            <a:r>
-              <a:rPr lang="en-US" altLang="zh-CN" dirty="0"/>
-              <a:t>4) </a:t>
-            </a:r>
-            <a:r>
-              <a:rPr lang="zh-CN" altLang="en-US" dirty="0"/>
-              <a:t>该问题所分解出的</a:t>
-            </a:r>
-            <a:r>
-              <a:rPr lang="zh-CN" altLang="en-US" b="1" dirty="0">
-                <a:solidFill>
-                  <a:srgbClr val="FF0000"/>
-                </a:solidFill>
-              </a:rPr>
-              <a:t>各个子问题是相互独立的</a:t>
-            </a:r>
-            <a:r>
-              <a:rPr lang="zh-CN" altLang="en-US" dirty="0"/>
-              <a:t>，即子问题之间不包含公共的子子问题；</a:t>
-            </a:r>
           </a:p>
         </p:txBody>
       </p:sp>
     </p:spTree>
     <p:extLst>
       <p:ext uri="{BB962C8B-B14F-4D97-AF65-F5344CB8AC3E}">
-        <p14:creationId xmlns:p14="http://schemas.microsoft.com/office/powerpoint/2010/main" val="151817929"/>
+        <p14:creationId xmlns:p14="http://schemas.microsoft.com/office/powerpoint/2010/main" val="1514154110"/>
       </p:ext>
     </p:extLst>
   </p:cSld>
@@ -7289,14 +7183,14 @@
       </p:grpSpPr>
       <p:sp>
         <p:nvSpPr>
-          <p:cNvPr id="3" name="矩形 2"/>
+          <p:cNvPr id="2" name="矩形 1"/>
           <p:cNvSpPr/>
           <p:nvPr/>
         </p:nvSpPr>
         <p:spPr>
           <a:xfrm>
-            <a:off x="775581" y="1005617"/>
-            <a:ext cx="8766772" cy="3416320"/>
+            <a:off x="685045" y="951296"/>
+            <a:ext cx="10323969" cy="2862322"/>
           </a:xfrm>
           <a:prstGeom prst="rect">
             <a:avLst/>
@@ -7308,39 +7202,43 @@
           </a:bodyPr>
           <a:lstStyle/>
           <a:p>
+            <a:r>
+              <a:rPr lang="en-US" altLang="zh-CN" dirty="0"/>
+              <a:t>1.</a:t>
+            </a:r>
+            <a:r>
+              <a:rPr lang="zh-CN" altLang="en-US" dirty="0"/>
+              <a:t>分治算法的基本思想</a:t>
+            </a:r>
+          </a:p>
+          <a:p>
             <a:pPr marL="285750" indent="-285750">
               <a:buFont typeface="Arial" panose="020B0604020202020204" pitchFamily="34" charset="0"/>
               <a:buChar char="•"/>
             </a:pPr>
             <a:r>
-              <a:rPr lang="zh-CN" altLang="en-US" dirty="0"/>
-              <a:t>动态规划算法与分治法类似，其基本思想也是将待求解问题分解成若干个子问题，先求解子问题，然后从这些子问题的解得到原问题的解</a:t>
-            </a:r>
-            <a:r>
               <a:rPr lang="zh-CN" altLang="en-US" dirty="0" smtClean="0"/>
-              <a:t>。</a:t>
-            </a:r>
-            <a:endParaRPr lang="en-US" altLang="zh-CN" dirty="0" smtClean="0"/>
-          </a:p>
-          <a:p>
-            <a:pPr marL="285750" indent="-285750">
-              <a:buFont typeface="Arial" panose="020B0604020202020204" pitchFamily="34" charset="0"/>
-              <a:buChar char="•"/>
-            </a:pPr>
-            <a:endParaRPr lang="en-US" altLang="zh-CN" dirty="0"/>
-          </a:p>
-          <a:p>
-            <a:pPr marL="285750" indent="-285750">
-              <a:buFont typeface="Arial" panose="020B0604020202020204" pitchFamily="34" charset="0"/>
-              <a:buChar char="•"/>
-            </a:pPr>
-            <a:r>
-              <a:rPr lang="zh-CN" altLang="en-US" dirty="0" smtClean="0"/>
-              <a:t>与</a:t>
-            </a:r>
-            <a:r>
-              <a:rPr lang="zh-CN" altLang="en-US" dirty="0"/>
-              <a:t>分治法不同的是，适合于用动态规划求解的问题，</a:t>
+              <a:t>将</a:t>
+            </a:r>
+            <a:r>
+              <a:rPr lang="zh-CN" altLang="en-US" dirty="0"/>
+              <a:t>一个规模为</a:t>
+            </a:r>
+            <a:r>
+              <a:rPr lang="en-US" altLang="zh-CN" dirty="0"/>
+              <a:t>N</a:t>
+            </a:r>
+            <a:r>
+              <a:rPr lang="zh-CN" altLang="en-US" dirty="0"/>
+              <a:t>的问题，分解成</a:t>
+            </a:r>
+            <a:r>
+              <a:rPr lang="en-US" altLang="zh-CN" dirty="0"/>
+              <a:t>K</a:t>
+            </a:r>
+            <a:r>
+              <a:rPr lang="zh-CN" altLang="en-US" dirty="0"/>
+              <a:t>个规模较小的子问题，这些</a:t>
             </a:r>
             <a:r>
               <a:rPr lang="zh-CN" altLang="en-US" b="1" dirty="0">
@@ -7348,20 +7246,42 @@
                   <a:srgbClr val="FF0000"/>
                 </a:solidFill>
               </a:rPr>
-              <a:t>经分解得到子问题往往不是互相独立的</a:t>
-            </a:r>
-            <a:r>
-              <a:rPr lang="zh-CN" altLang="en-US" dirty="0" smtClean="0"/>
-              <a:t>。</a:t>
-            </a:r>
-            <a:endParaRPr lang="en-US" altLang="zh-CN" dirty="0" smtClean="0"/>
+              <a:t>子问题相互独立且月原问题性质相同。</a:t>
+            </a:r>
           </a:p>
           <a:p>
             <a:pPr marL="285750" indent="-285750">
               <a:buFont typeface="Arial" panose="020B0604020202020204" pitchFamily="34" charset="0"/>
               <a:buChar char="•"/>
             </a:pPr>
-            <a:endParaRPr lang="en-US" altLang="zh-CN" dirty="0"/>
+            <a:r>
+              <a:rPr lang="zh-CN" altLang="en-US" dirty="0"/>
+              <a:t>求解出子问题的解，合并得到原问题的解</a:t>
+            </a:r>
+            <a:r>
+              <a:rPr lang="zh-CN" altLang="en-US" dirty="0" smtClean="0"/>
+              <a:t>。</a:t>
+            </a:r>
+            <a:endParaRPr lang="en-US" altLang="zh-CN" dirty="0" smtClean="0"/>
+          </a:p>
+          <a:p>
+            <a:endParaRPr lang="zh-CN" altLang="en-US" dirty="0"/>
+          </a:p>
+          <a:p>
+            <a:r>
+              <a:rPr lang="en-US" altLang="zh-CN" dirty="0"/>
+              <a:t>2.</a:t>
+            </a:r>
+            <a:r>
+              <a:rPr lang="zh-CN" altLang="en-US" dirty="0"/>
+              <a:t>分治算法特征分析</a:t>
+            </a:r>
+          </a:p>
+          <a:p>
+            <a:r>
+              <a:rPr lang="zh-CN" altLang="en-US" dirty="0"/>
+              <a:t>分治法能解决的问题一般具有以下几个特征：</a:t>
+            </a:r>
           </a:p>
           <a:p>
             <a:pPr marL="285750" indent="-285750">
@@ -7369,38 +7289,26 @@
               <a:buChar char="•"/>
             </a:pPr>
             <a:r>
-              <a:rPr lang="zh-CN" altLang="en-US" dirty="0" smtClean="0"/>
-              <a:t>若</a:t>
-            </a:r>
-            <a:r>
-              <a:rPr lang="zh-CN" altLang="en-US" dirty="0"/>
-              <a:t>用分治法来解这类问题，则分解得到的子问题数目太多，有些子问题被重复计算了很多次</a:t>
-            </a:r>
-            <a:r>
-              <a:rPr lang="zh-CN" altLang="en-US" dirty="0" smtClean="0"/>
-              <a:t>。</a:t>
-            </a:r>
-            <a:endParaRPr lang="en-US" altLang="zh-CN" dirty="0" smtClean="0"/>
+              <a:rPr lang="en-US" altLang="zh-CN" dirty="0"/>
+              <a:t>1) </a:t>
+            </a:r>
+            <a:r>
+              <a:rPr lang="zh-CN" altLang="en-US" dirty="0"/>
+              <a:t>该问题的规模缩小到一定程度就可以容易的解决；</a:t>
+            </a:r>
           </a:p>
           <a:p>
             <a:pPr marL="285750" indent="-285750">
               <a:buFont typeface="Arial" panose="020B0604020202020204" pitchFamily="34" charset="0"/>
               <a:buChar char="•"/>
             </a:pPr>
-            <a:endParaRPr lang="en-US" altLang="zh-CN" dirty="0"/>
-          </a:p>
-          <a:p>
-            <a:pPr marL="285750" indent="-285750">
-              <a:buFont typeface="Arial" panose="020B0604020202020204" pitchFamily="34" charset="0"/>
-              <a:buChar char="•"/>
-            </a:pPr>
-            <a:r>
-              <a:rPr lang="zh-CN" altLang="en-US" dirty="0" smtClean="0"/>
-              <a:t>如</a:t>
-            </a:r>
-            <a:r>
-              <a:rPr lang="zh-CN" altLang="en-US" dirty="0"/>
-              <a:t>果我们能够</a:t>
+            <a:r>
+              <a:rPr lang="en-US" altLang="zh-CN" dirty="0"/>
+              <a:t>2) </a:t>
+            </a:r>
+            <a:r>
+              <a:rPr lang="zh-CN" altLang="en-US" dirty="0"/>
+              <a:t>该问题可以分解为若干个规模较小的相同问题，即该问题具有</a:t>
             </a:r>
             <a:r>
               <a:rPr lang="zh-CN" altLang="en-US" b="1" dirty="0">
@@ -7408,11 +7316,35 @@
                   <a:srgbClr val="FF0000"/>
                 </a:solidFill>
               </a:rPr>
-              <a:t>保存已解决的子问题的答案</a:t>
-            </a:r>
-            <a:r>
-              <a:rPr lang="zh-CN" altLang="en-US" dirty="0"/>
-              <a:t>，而在需要时再找出已求得的答案，这样就可以避免大量的重复计算，节省时间。</a:t>
+              <a:t>最优子结构性质；</a:t>
+            </a:r>
+          </a:p>
+          <a:p>
+            <a:pPr marL="285750" indent="-285750">
+              <a:buFont typeface="Arial" panose="020B0604020202020204" pitchFamily="34" charset="0"/>
+              <a:buChar char="•"/>
+            </a:pPr>
+            <a:r>
+              <a:rPr lang="en-US" altLang="zh-CN" dirty="0"/>
+              <a:t>3) </a:t>
+            </a:r>
+            <a:r>
+              <a:rPr lang="zh-CN" altLang="en-US" dirty="0"/>
+              <a:t>利用该问题分解出子问题的解，可以合并为该问题的解；</a:t>
+            </a:r>
+          </a:p>
+          <a:p>
+            <a:pPr marL="285750" indent="-285750">
+              <a:buFont typeface="Arial" panose="020B0604020202020204" pitchFamily="34" charset="0"/>
+              <a:buChar char="•"/>
+            </a:pPr>
+            <a:r>
+              <a:rPr lang="en-US" altLang="zh-CN" dirty="0"/>
+              <a:t>4) </a:t>
+            </a:r>
+            <a:r>
+              <a:rPr lang="zh-CN" altLang="en-US" dirty="0"/>
+              <a:t>该问题所分解出的</a:t>
             </a:r>
             <a:r>
               <a:rPr lang="zh-CN" altLang="en-US" b="1" dirty="0">
@@ -7420,24 +7352,19 @@
                   <a:srgbClr val="FF0000"/>
                 </a:solidFill>
               </a:rPr>
-              <a:t>我们可以用一个表来记录所有已解的子问题的答案。不管该子问题以后是否被用到，只要它被计算过，就将其结果填入表中</a:t>
-            </a:r>
-            <a:r>
-              <a:rPr lang="zh-CN" altLang="en-US" b="1" dirty="0" smtClean="0">
-                <a:solidFill>
-                  <a:srgbClr val="FF0000"/>
-                </a:solidFill>
-              </a:rPr>
-              <a:t>。</a:t>
-            </a:r>
-            <a:endParaRPr lang="zh-CN" altLang="en-US" dirty="0"/>
+              <a:t>各个子问题是相互独立的</a:t>
+            </a:r>
+            <a:r>
+              <a:rPr lang="zh-CN" altLang="en-US" dirty="0"/>
+              <a:t>，即子问题之间不包含公共的子子问题；</a:t>
+            </a:r>
           </a:p>
         </p:txBody>
       </p:sp>
     </p:spTree>
     <p:extLst>
       <p:ext uri="{BB962C8B-B14F-4D97-AF65-F5344CB8AC3E}">
-        <p14:creationId xmlns:p14="http://schemas.microsoft.com/office/powerpoint/2010/main" val="1818218013"/>
+        <p14:creationId xmlns:p14="http://schemas.microsoft.com/office/powerpoint/2010/main" val="151817929"/>
       </p:ext>
     </p:extLst>
   </p:cSld>
@@ -7473,14 +7400,14 @@
       </p:grpSpPr>
       <p:sp>
         <p:nvSpPr>
-          <p:cNvPr id="5" name="矩形 4"/>
+          <p:cNvPr id="3" name="矩形 2"/>
           <p:cNvSpPr/>
           <p:nvPr/>
         </p:nvSpPr>
         <p:spPr>
           <a:xfrm>
-            <a:off x="190123" y="1004251"/>
-            <a:ext cx="5794218" cy="4524315"/>
+            <a:off x="775581" y="1005617"/>
+            <a:ext cx="8766772" cy="3416320"/>
           </a:xfrm>
           <a:prstGeom prst="rect">
             <a:avLst/>
@@ -7492,262 +7419,136 @@
           </a:bodyPr>
           <a:lstStyle/>
           <a:p>
-            <a:r>
-              <a:rPr lang="zh-CN" altLang="en-US" dirty="0"/>
-              <a:t>class Solution {</a:t>
-            </a:r>
-          </a:p>
-          <a:p>
-            <a:r>
-              <a:rPr lang="zh-CN" altLang="en-US" dirty="0">
+            <a:pPr marL="285750" indent="-285750">
+              <a:buFont typeface="Arial" panose="020B0604020202020204" pitchFamily="34" charset="0"/>
+              <a:buChar char="•"/>
+            </a:pPr>
+            <a:r>
+              <a:rPr lang="zh-CN" altLang="en-US" dirty="0"/>
+              <a:t>动态规划算法与分治法类似，其基本思想也是将待求解问题分解成若干个子问题，先求解子问题，然后从这些子问题的解得到原问题的解</a:t>
+            </a:r>
+            <a:r>
+              <a:rPr lang="zh-CN" altLang="en-US" dirty="0" smtClean="0"/>
+              <a:t>。</a:t>
+            </a:r>
+            <a:endParaRPr lang="en-US" altLang="zh-CN" dirty="0" smtClean="0"/>
+          </a:p>
+          <a:p>
+            <a:pPr marL="285750" indent="-285750">
+              <a:buFont typeface="Arial" panose="020B0604020202020204" pitchFamily="34" charset="0"/>
+              <a:buChar char="•"/>
+            </a:pPr>
+            <a:endParaRPr lang="en-US" altLang="zh-CN" dirty="0"/>
+          </a:p>
+          <a:p>
+            <a:pPr marL="285750" indent="-285750">
+              <a:buFont typeface="Arial" panose="020B0604020202020204" pitchFamily="34" charset="0"/>
+              <a:buChar char="•"/>
+            </a:pPr>
+            <a:r>
+              <a:rPr lang="zh-CN" altLang="en-US" dirty="0" smtClean="0"/>
+              <a:t>与</a:t>
+            </a:r>
+            <a:r>
+              <a:rPr lang="zh-CN" altLang="en-US" dirty="0"/>
+              <a:t>分治法不同的是，适合于用动态规划求解的问题，</a:t>
+            </a:r>
+            <a:r>
+              <a:rPr lang="zh-CN" altLang="en-US" b="1" dirty="0">
                 <a:solidFill>
-                  <a:srgbClr val="7030A0"/>
+                  <a:srgbClr val="FF0000"/>
                 </a:solidFill>
               </a:rPr>
-              <a:t>    public class Status {</a:t>
-            </a:r>
-          </a:p>
-          <a:p>
-            <a:r>
-              <a:rPr lang="zh-CN" altLang="en-US" dirty="0">
+              <a:t>经分解得到子问题往往不是互相独立的</a:t>
+            </a:r>
+            <a:r>
+              <a:rPr lang="zh-CN" altLang="en-US" dirty="0" smtClean="0"/>
+              <a:t>。</a:t>
+            </a:r>
+            <a:endParaRPr lang="en-US" altLang="zh-CN" dirty="0" smtClean="0"/>
+          </a:p>
+          <a:p>
+            <a:pPr marL="285750" indent="-285750">
+              <a:buFont typeface="Arial" panose="020B0604020202020204" pitchFamily="34" charset="0"/>
+              <a:buChar char="•"/>
+            </a:pPr>
+            <a:endParaRPr lang="en-US" altLang="zh-CN" dirty="0"/>
+          </a:p>
+          <a:p>
+            <a:pPr marL="285750" indent="-285750">
+              <a:buFont typeface="Arial" panose="020B0604020202020204" pitchFamily="34" charset="0"/>
+              <a:buChar char="•"/>
+            </a:pPr>
+            <a:r>
+              <a:rPr lang="zh-CN" altLang="en-US" dirty="0" smtClean="0"/>
+              <a:t>若</a:t>
+            </a:r>
+            <a:r>
+              <a:rPr lang="zh-CN" altLang="en-US" dirty="0"/>
+              <a:t>用分治法来解这类问题，则分解得到的子问题数目太多，有些子问题被重复计算了很多次</a:t>
+            </a:r>
+            <a:r>
+              <a:rPr lang="zh-CN" altLang="en-US" dirty="0" smtClean="0"/>
+              <a:t>。</a:t>
+            </a:r>
+            <a:endParaRPr lang="en-US" altLang="zh-CN" dirty="0" smtClean="0"/>
+          </a:p>
+          <a:p>
+            <a:pPr marL="285750" indent="-285750">
+              <a:buFont typeface="Arial" panose="020B0604020202020204" pitchFamily="34" charset="0"/>
+              <a:buChar char="•"/>
+            </a:pPr>
+            <a:endParaRPr lang="en-US" altLang="zh-CN" dirty="0"/>
+          </a:p>
+          <a:p>
+            <a:pPr marL="285750" indent="-285750">
+              <a:buFont typeface="Arial" panose="020B0604020202020204" pitchFamily="34" charset="0"/>
+              <a:buChar char="•"/>
+            </a:pPr>
+            <a:r>
+              <a:rPr lang="zh-CN" altLang="en-US" dirty="0" smtClean="0"/>
+              <a:t>如</a:t>
+            </a:r>
+            <a:r>
+              <a:rPr lang="zh-CN" altLang="en-US" dirty="0"/>
+              <a:t>果我们能够</a:t>
+            </a:r>
+            <a:r>
+              <a:rPr lang="zh-CN" altLang="en-US" b="1" dirty="0">
                 <a:solidFill>
-                  <a:srgbClr val="7030A0"/>
+                  <a:srgbClr val="FF0000"/>
                 </a:solidFill>
               </a:rPr>
-              <a:t>        public int lSum, rSum, mSum, iSum;</a:t>
-            </a:r>
-          </a:p>
-          <a:p>
-            <a:endParaRPr lang="zh-CN" altLang="en-US" dirty="0">
-              <a:solidFill>
-                <a:srgbClr val="7030A0"/>
-              </a:solidFill>
-            </a:endParaRPr>
-          </a:p>
-          <a:p>
-            <a:r>
-              <a:rPr lang="zh-CN" altLang="en-US" dirty="0">
+              <a:t>保存已解决的子问题的答案</a:t>
+            </a:r>
+            <a:r>
+              <a:rPr lang="zh-CN" altLang="en-US" dirty="0"/>
+              <a:t>，而在需要时再找出已求得的答案，这样就可以避免大量的重复计算，节省时间。</a:t>
+            </a:r>
+            <a:r>
+              <a:rPr lang="zh-CN" altLang="en-US" b="1" dirty="0">
                 <a:solidFill>
-                  <a:srgbClr val="7030A0"/>
+                  <a:srgbClr val="FF0000"/>
                 </a:solidFill>
               </a:rPr>
-              <a:t>        public Status(int lSum, int rSum, int mSum, int iSum) {</a:t>
-            </a:r>
-          </a:p>
-          <a:p>
-            <a:r>
-              <a:rPr lang="zh-CN" altLang="en-US" dirty="0">
+              <a:t>我们可以用一个表来记录所有已解的子问题的答案。不管该子问题以后是否被用到，只要它被计算过，就将其结果填入表中</a:t>
+            </a:r>
+            <a:r>
+              <a:rPr lang="zh-CN" altLang="en-US" b="1" dirty="0" smtClean="0">
                 <a:solidFill>
-                  <a:srgbClr val="7030A0"/>
+                  <a:srgbClr val="FF0000"/>
                 </a:solidFill>
               </a:rPr>
-              <a:t>            this.lSum = lSum;</a:t>
-            </a:r>
-          </a:p>
-          <a:p>
-            <a:r>
-              <a:rPr lang="zh-CN" altLang="en-US" dirty="0">
-                <a:solidFill>
-                  <a:srgbClr val="7030A0"/>
-                </a:solidFill>
-              </a:rPr>
-              <a:t>            this.rSum = rSum;</a:t>
-            </a:r>
-          </a:p>
-          <a:p>
-            <a:r>
-              <a:rPr lang="zh-CN" altLang="en-US" dirty="0">
-                <a:solidFill>
-                  <a:srgbClr val="7030A0"/>
-                </a:solidFill>
-              </a:rPr>
-              <a:t>            this.mSum = mSum;</a:t>
-            </a:r>
-          </a:p>
-          <a:p>
-            <a:r>
-              <a:rPr lang="zh-CN" altLang="en-US" dirty="0">
-                <a:solidFill>
-                  <a:srgbClr val="7030A0"/>
-                </a:solidFill>
-              </a:rPr>
-              <a:t>            this.iSum = iSum;</a:t>
-            </a:r>
-          </a:p>
-          <a:p>
-            <a:r>
-              <a:rPr lang="zh-CN" altLang="en-US" dirty="0">
-                <a:solidFill>
-                  <a:srgbClr val="7030A0"/>
-                </a:solidFill>
-              </a:rPr>
-              <a:t>        }</a:t>
-            </a:r>
-          </a:p>
-          <a:p>
-            <a:r>
-              <a:rPr lang="zh-CN" altLang="en-US" dirty="0">
-                <a:solidFill>
-                  <a:srgbClr val="7030A0"/>
-                </a:solidFill>
-              </a:rPr>
-              <a:t>    }</a:t>
-            </a:r>
-          </a:p>
-          <a:p>
+              <a:t>。</a:t>
+            </a:r>
             <a:endParaRPr lang="zh-CN" altLang="en-US" dirty="0"/>
-          </a:p>
-          <a:p>
-            <a:r>
-              <a:rPr lang="zh-CN" altLang="en-US" dirty="0">
-                <a:solidFill>
-                  <a:srgbClr val="00B0F0"/>
-                </a:solidFill>
-              </a:rPr>
-              <a:t>    public int maxSubArray(int[] nums) {</a:t>
-            </a:r>
-          </a:p>
-          <a:p>
-            <a:r>
-              <a:rPr lang="zh-CN" altLang="en-US" dirty="0">
-                <a:solidFill>
-                  <a:srgbClr val="00B0F0"/>
-                </a:solidFill>
-              </a:rPr>
-              <a:t>        return getInfo(nums, 0, nums.length - 1).mSum;</a:t>
-            </a:r>
-          </a:p>
-          <a:p>
-            <a:r>
-              <a:rPr lang="zh-CN" altLang="en-US" dirty="0">
-                <a:solidFill>
-                  <a:srgbClr val="00B0F0"/>
-                </a:solidFill>
-              </a:rPr>
-              <a:t>    }</a:t>
-            </a:r>
-          </a:p>
-          <a:p>
-            <a:endParaRPr lang="zh-CN" altLang="en-US" dirty="0"/>
-          </a:p>
-        </p:txBody>
-      </p:sp>
-      <p:sp>
-        <p:nvSpPr>
-          <p:cNvPr id="6" name="矩形 5"/>
-          <p:cNvSpPr/>
-          <p:nvPr/>
-        </p:nvSpPr>
-        <p:spPr>
-          <a:xfrm>
-            <a:off x="5911913" y="811060"/>
-            <a:ext cx="6663350" cy="4801314"/>
-          </a:xfrm>
-          <a:prstGeom prst="rect">
-            <a:avLst/>
-          </a:prstGeom>
-        </p:spPr>
-        <p:txBody>
-          <a:bodyPr wrap="square">
-            <a:spAutoFit/>
-          </a:bodyPr>
-          <a:lstStyle/>
-          <a:p>
-            <a:endParaRPr lang="zh-CN" altLang="en-US" dirty="0"/>
-          </a:p>
-          <a:p>
-            <a:r>
-              <a:rPr lang="zh-CN" altLang="en-US" dirty="0"/>
-              <a:t>    public Status getInfo(int[] a, int l, int r) {</a:t>
-            </a:r>
-          </a:p>
-          <a:p>
-            <a:r>
-              <a:rPr lang="zh-CN" altLang="en-US" dirty="0"/>
-              <a:t>        if (l == r) {</a:t>
-            </a:r>
-          </a:p>
-          <a:p>
-            <a:r>
-              <a:rPr lang="zh-CN" altLang="en-US" dirty="0"/>
-              <a:t>            return new Status(a[l], a[l], a[l], a[l]);</a:t>
-            </a:r>
-          </a:p>
-          <a:p>
-            <a:r>
-              <a:rPr lang="zh-CN" altLang="en-US" dirty="0"/>
-              <a:t>        }</a:t>
-            </a:r>
-          </a:p>
-          <a:p>
-            <a:r>
-              <a:rPr lang="zh-CN" altLang="en-US" dirty="0"/>
-              <a:t>        int m = (l + r) &gt;&gt; 1;</a:t>
-            </a:r>
-          </a:p>
-          <a:p>
-            <a:r>
-              <a:rPr lang="zh-CN" altLang="en-US" dirty="0"/>
-              <a:t>        Status lSub = getInfo(a, l, m);</a:t>
-            </a:r>
-          </a:p>
-          <a:p>
-            <a:r>
-              <a:rPr lang="zh-CN" altLang="en-US" dirty="0"/>
-              <a:t>        Status rSub = getInfo(a, m + 1, r);</a:t>
-            </a:r>
-          </a:p>
-          <a:p>
-            <a:r>
-              <a:rPr lang="zh-CN" altLang="en-US" dirty="0"/>
-              <a:t>        return pushUp(lSub, rSub);</a:t>
-            </a:r>
-          </a:p>
-          <a:p>
-            <a:r>
-              <a:rPr lang="zh-CN" altLang="en-US" dirty="0"/>
-              <a:t>    }</a:t>
-            </a:r>
-          </a:p>
-          <a:p>
-            <a:endParaRPr lang="zh-CN" altLang="en-US" dirty="0"/>
-          </a:p>
-          <a:p>
-            <a:r>
-              <a:rPr lang="zh-CN" altLang="en-US" dirty="0"/>
-              <a:t>    public Status pushUp(Status l, Status r) {</a:t>
-            </a:r>
-          </a:p>
-          <a:p>
-            <a:r>
-              <a:rPr lang="zh-CN" altLang="en-US" dirty="0"/>
-              <a:t>        int iSum = l.iSum + r.iSum;</a:t>
-            </a:r>
-          </a:p>
-          <a:p>
-            <a:r>
-              <a:rPr lang="zh-CN" altLang="en-US" dirty="0"/>
-              <a:t>        int lSum = Math.max(l.lSum, l.iSum + r.lSum);</a:t>
-            </a:r>
-          </a:p>
-          <a:p>
-            <a:r>
-              <a:rPr lang="zh-CN" altLang="en-US" dirty="0"/>
-              <a:t>        int rSum = Math.max(r.rSum, r.iSum + l.rSum);</a:t>
-            </a:r>
-          </a:p>
-          <a:p>
-            <a:r>
-              <a:rPr lang="zh-CN" altLang="en-US" dirty="0"/>
-              <a:t>        int mSum = Math.max(Math.max(l.mSum, r.mSum), l.rSum + r.lSum);</a:t>
-            </a:r>
           </a:p>
         </p:txBody>
       </p:sp>
     </p:spTree>
     <p:extLst>
       <p:ext uri="{BB962C8B-B14F-4D97-AF65-F5344CB8AC3E}">
-        <p14:creationId xmlns:p14="http://schemas.microsoft.com/office/powerpoint/2010/main" val="342983652"/>
+        <p14:creationId xmlns:p14="http://schemas.microsoft.com/office/powerpoint/2010/main" val="1818218013"/>
       </p:ext>
     </p:extLst>
   </p:cSld>
@@ -7781,16 +7582,320 @@
           <a:chExt cx="0" cy="0"/>
         </a:xfrm>
       </p:grpSpPr>
+      <p:sp>
+        <p:nvSpPr>
+          <p:cNvPr id="5" name="矩形 4"/>
+          <p:cNvSpPr/>
+          <p:nvPr/>
+        </p:nvSpPr>
+        <p:spPr>
+          <a:xfrm>
+            <a:off x="190123" y="1004251"/>
+            <a:ext cx="5794218" cy="4524315"/>
+          </a:xfrm>
+          <a:prstGeom prst="rect">
+            <a:avLst/>
+          </a:prstGeom>
+        </p:spPr>
+        <p:txBody>
+          <a:bodyPr wrap="square">
+            <a:spAutoFit/>
+          </a:bodyPr>
+          <a:lstStyle/>
+          <a:p>
+            <a:r>
+              <a:rPr lang="zh-CN" altLang="en-US" dirty="0"/>
+              <a:t>class Solution {</a:t>
+            </a:r>
+          </a:p>
+          <a:p>
+            <a:r>
+              <a:rPr lang="zh-CN" altLang="en-US" dirty="0">
+                <a:solidFill>
+                  <a:srgbClr val="7030A0"/>
+                </a:solidFill>
+              </a:rPr>
+              <a:t>    public class Status {</a:t>
+            </a:r>
+          </a:p>
+          <a:p>
+            <a:r>
+              <a:rPr lang="zh-CN" altLang="en-US" dirty="0">
+                <a:solidFill>
+                  <a:srgbClr val="7030A0"/>
+                </a:solidFill>
+              </a:rPr>
+              <a:t>        public int lSum, rSum, mSum, iSum;</a:t>
+            </a:r>
+          </a:p>
+          <a:p>
+            <a:endParaRPr lang="zh-CN" altLang="en-US" dirty="0">
+              <a:solidFill>
+                <a:srgbClr val="7030A0"/>
+              </a:solidFill>
+            </a:endParaRPr>
+          </a:p>
+          <a:p>
+            <a:r>
+              <a:rPr lang="zh-CN" altLang="en-US" dirty="0">
+                <a:solidFill>
+                  <a:srgbClr val="7030A0"/>
+                </a:solidFill>
+              </a:rPr>
+              <a:t>        public Status(int lSum, int rSum, int mSum, int iSum) {</a:t>
+            </a:r>
+          </a:p>
+          <a:p>
+            <a:r>
+              <a:rPr lang="zh-CN" altLang="en-US" dirty="0">
+                <a:solidFill>
+                  <a:srgbClr val="7030A0"/>
+                </a:solidFill>
+              </a:rPr>
+              <a:t>            this.lSum = lSum;</a:t>
+            </a:r>
+          </a:p>
+          <a:p>
+            <a:r>
+              <a:rPr lang="zh-CN" altLang="en-US" dirty="0">
+                <a:solidFill>
+                  <a:srgbClr val="7030A0"/>
+                </a:solidFill>
+              </a:rPr>
+              <a:t>            this.rSum = rSum;</a:t>
+            </a:r>
+          </a:p>
+          <a:p>
+            <a:r>
+              <a:rPr lang="zh-CN" altLang="en-US" dirty="0">
+                <a:solidFill>
+                  <a:srgbClr val="7030A0"/>
+                </a:solidFill>
+              </a:rPr>
+              <a:t>            this.mSum = mSum;</a:t>
+            </a:r>
+          </a:p>
+          <a:p>
+            <a:r>
+              <a:rPr lang="zh-CN" altLang="en-US" dirty="0">
+                <a:solidFill>
+                  <a:srgbClr val="7030A0"/>
+                </a:solidFill>
+              </a:rPr>
+              <a:t>            this.iSum = iSum;</a:t>
+            </a:r>
+          </a:p>
+          <a:p>
+            <a:r>
+              <a:rPr lang="zh-CN" altLang="en-US" dirty="0">
+                <a:solidFill>
+                  <a:srgbClr val="7030A0"/>
+                </a:solidFill>
+              </a:rPr>
+              <a:t>        }</a:t>
+            </a:r>
+          </a:p>
+          <a:p>
+            <a:r>
+              <a:rPr lang="zh-CN" altLang="en-US" dirty="0">
+                <a:solidFill>
+                  <a:srgbClr val="7030A0"/>
+                </a:solidFill>
+              </a:rPr>
+              <a:t>    }</a:t>
+            </a:r>
+          </a:p>
+          <a:p>
+            <a:endParaRPr lang="zh-CN" altLang="en-US" dirty="0"/>
+          </a:p>
+          <a:p>
+            <a:r>
+              <a:rPr lang="zh-CN" altLang="en-US" dirty="0">
+                <a:solidFill>
+                  <a:srgbClr val="00B0F0"/>
+                </a:solidFill>
+              </a:rPr>
+              <a:t>    public int maxSubArray(int[] nums) {</a:t>
+            </a:r>
+          </a:p>
+          <a:p>
+            <a:r>
+              <a:rPr lang="zh-CN" altLang="en-US" dirty="0">
+                <a:solidFill>
+                  <a:srgbClr val="00B0F0"/>
+                </a:solidFill>
+              </a:rPr>
+              <a:t>        return getInfo(nums, 0, nums.length - 1).mSum;</a:t>
+            </a:r>
+          </a:p>
+          <a:p>
+            <a:r>
+              <a:rPr lang="zh-CN" altLang="en-US" dirty="0">
+                <a:solidFill>
+                  <a:srgbClr val="00B0F0"/>
+                </a:solidFill>
+              </a:rPr>
+              <a:t>    }</a:t>
+            </a:r>
+          </a:p>
+          <a:p>
+            <a:endParaRPr lang="zh-CN" altLang="en-US" dirty="0"/>
+          </a:p>
+        </p:txBody>
+      </p:sp>
+      <p:sp>
+        <p:nvSpPr>
+          <p:cNvPr id="6" name="矩形 5"/>
+          <p:cNvSpPr/>
+          <p:nvPr/>
+        </p:nvSpPr>
+        <p:spPr>
+          <a:xfrm>
+            <a:off x="5911913" y="811060"/>
+            <a:ext cx="5513560" cy="5078313"/>
+          </a:xfrm>
+          <a:prstGeom prst="rect">
+            <a:avLst/>
+          </a:prstGeom>
+        </p:spPr>
+        <p:txBody>
+          <a:bodyPr wrap="square">
+            <a:spAutoFit/>
+          </a:bodyPr>
+          <a:lstStyle/>
+          <a:p>
+            <a:endParaRPr lang="zh-CN" altLang="en-US" dirty="0"/>
+          </a:p>
+          <a:p>
+            <a:r>
+              <a:rPr lang="zh-CN" altLang="en-US" dirty="0"/>
+              <a:t>    public Status getInfo(int[] a, int l, int r) {</a:t>
+            </a:r>
+          </a:p>
+          <a:p>
+            <a:r>
+              <a:rPr lang="zh-CN" altLang="en-US" dirty="0"/>
+              <a:t>        if (l == r) {</a:t>
+            </a:r>
+          </a:p>
+          <a:p>
+            <a:r>
+              <a:rPr lang="zh-CN" altLang="en-US" dirty="0"/>
+              <a:t>            return new Status(a[l], a[l], a[l], a[l]);</a:t>
+            </a:r>
+          </a:p>
+          <a:p>
+            <a:r>
+              <a:rPr lang="zh-CN" altLang="en-US" dirty="0"/>
+              <a:t>        }</a:t>
+            </a:r>
+          </a:p>
+          <a:p>
+            <a:r>
+              <a:rPr lang="zh-CN" altLang="en-US" dirty="0"/>
+              <a:t>        int m = (l + r) &gt;&gt; 1;</a:t>
+            </a:r>
+          </a:p>
+          <a:p>
+            <a:r>
+              <a:rPr lang="zh-CN" altLang="en-US" dirty="0"/>
+              <a:t>        Status lSub = getInfo(a, l, m);</a:t>
+            </a:r>
+          </a:p>
+          <a:p>
+            <a:r>
+              <a:rPr lang="zh-CN" altLang="en-US" dirty="0"/>
+              <a:t>        Status rSub = getInfo(a, m + 1, r);</a:t>
+            </a:r>
+          </a:p>
+          <a:p>
+            <a:r>
+              <a:rPr lang="zh-CN" altLang="en-US" dirty="0"/>
+              <a:t>        return pushUp(lSub, rSub);</a:t>
+            </a:r>
+          </a:p>
+          <a:p>
+            <a:r>
+              <a:rPr lang="zh-CN" altLang="en-US" dirty="0"/>
+              <a:t>    }</a:t>
+            </a:r>
+          </a:p>
+          <a:p>
+            <a:endParaRPr lang="zh-CN" altLang="en-US" dirty="0"/>
+          </a:p>
+          <a:p>
+            <a:r>
+              <a:rPr lang="zh-CN" altLang="en-US" dirty="0"/>
+              <a:t>    public Status pushUp(Status l, Status r) {</a:t>
+            </a:r>
+          </a:p>
+          <a:p>
+            <a:r>
+              <a:rPr lang="zh-CN" altLang="en-US" dirty="0"/>
+              <a:t>        int iSum = l.iSum + r.iSum;</a:t>
+            </a:r>
+          </a:p>
+          <a:p>
+            <a:r>
+              <a:rPr lang="zh-CN" altLang="en-US" dirty="0"/>
+              <a:t>        int lSum = Math.max(l.lSum, l.iSum + r.lSum);</a:t>
+            </a:r>
+          </a:p>
+          <a:p>
+            <a:r>
+              <a:rPr lang="zh-CN" altLang="en-US" dirty="0"/>
+              <a:t>        int rSum = Math.max(r.rSum, r.iSum + l.rSum);</a:t>
+            </a:r>
+          </a:p>
+          <a:p>
+            <a:r>
+              <a:rPr lang="zh-CN" altLang="en-US" dirty="0"/>
+              <a:t>        int mSum = Math.max(Math.max(l.mSum, r.mSum), l.rSum + r.lSum</a:t>
+            </a:r>
+            <a:r>
+              <a:rPr lang="zh-CN" altLang="en-US" dirty="0" smtClean="0"/>
+              <a:t>);  </a:t>
+            </a:r>
+            <a:r>
+              <a:rPr lang="en-US" altLang="zh-CN" dirty="0" smtClean="0"/>
+              <a:t>// </a:t>
+            </a:r>
+            <a:r>
+              <a:rPr lang="zh-CN" altLang="en-US" dirty="0"/>
+              <a:t>三</a:t>
+            </a:r>
+            <a:r>
+              <a:rPr lang="zh-CN" altLang="en-US" dirty="0" smtClean="0"/>
+              <a:t>者最大的</a:t>
+            </a:r>
+            <a:endParaRPr lang="en-US" altLang="zh-CN" dirty="0" smtClean="0"/>
+          </a:p>
+          <a:p>
+            <a:r>
+              <a:rPr lang="en-US" altLang="zh-CN" dirty="0"/>
+              <a:t>        return new Status(lSum, rSum, mSum, iSum);</a:t>
+            </a:r>
+            <a:endParaRPr lang="zh-CN" altLang="en-US" dirty="0"/>
+          </a:p>
+        </p:txBody>
+      </p:sp>
     </p:spTree>
     <p:extLst>
       <p:ext uri="{BB962C8B-B14F-4D97-AF65-F5344CB8AC3E}">
-        <p14:creationId xmlns:p14="http://schemas.microsoft.com/office/powerpoint/2010/main" val="3328447760"/>
+        <p14:creationId xmlns:p14="http://schemas.microsoft.com/office/powerpoint/2010/main" val="342983652"/>
       </p:ext>
     </p:extLst>
   </p:cSld>
   <p:clrMapOvr>
     <a:masterClrMapping/>
   </p:clrMapOvr>
+  <p:timing>
+    <p:tnLst>
+      <p:par>
+        <p:cTn id="1" dur="indefinite" restart="never" nodeType="tmRoot"/>
+      </p:par>
+    </p:tnLst>
+  </p:timing>
 </p:sld>
 </file>
 
@@ -7811,16 +7916,47 @@
           <a:chExt cx="0" cy="0"/>
         </a:xfrm>
       </p:grpSpPr>
+      <p:pic>
+        <p:nvPicPr>
+          <p:cNvPr id="7" name="图片 6"/>
+          <p:cNvPicPr>
+            <a:picLocks noChangeAspect="1"/>
+          </p:cNvPicPr>
+          <p:nvPr/>
+        </p:nvPicPr>
+        <p:blipFill>
+          <a:blip r:embed="rId2"/>
+          <a:stretch>
+            <a:fillRect/>
+          </a:stretch>
+        </p:blipFill>
+        <p:spPr>
+          <a:xfrm>
+            <a:off x="1175582" y="1450888"/>
+            <a:ext cx="5490213" cy="2054996"/>
+          </a:xfrm>
+          <a:prstGeom prst="rect">
+            <a:avLst/>
+          </a:prstGeom>
+        </p:spPr>
+      </p:pic>
     </p:spTree>
     <p:extLst>
       <p:ext uri="{BB962C8B-B14F-4D97-AF65-F5344CB8AC3E}">
-        <p14:creationId xmlns:p14="http://schemas.microsoft.com/office/powerpoint/2010/main" val="1881516151"/>
+        <p14:creationId xmlns:p14="http://schemas.microsoft.com/office/powerpoint/2010/main" val="148591132"/>
       </p:ext>
     </p:extLst>
   </p:cSld>
   <p:clrMapOvr>
     <a:masterClrMapping/>
   </p:clrMapOvr>
+  <p:timing>
+    <p:tnLst>
+      <p:par>
+        <p:cTn id="1" dur="indefinite" restart="never" nodeType="tmRoot"/>
+      </p:par>
+    </p:tnLst>
+  </p:timing>
 </p:sld>
 </file>
 
@@ -7841,46 +7977,209 @@
           <a:chExt cx="0" cy="0"/>
         </a:xfrm>
       </p:grpSpPr>
+      <p:sp>
+        <p:nvSpPr>
+          <p:cNvPr id="2" name="矩形 1"/>
+          <p:cNvSpPr/>
+          <p:nvPr/>
+        </p:nvSpPr>
+        <p:spPr>
+          <a:xfrm>
+            <a:off x="1662820" y="1471188"/>
+            <a:ext cx="6096000" cy="2585323"/>
+          </a:xfrm>
+          <a:prstGeom prst="rect">
+            <a:avLst/>
+          </a:prstGeom>
+        </p:spPr>
+        <p:txBody>
+          <a:bodyPr>
+            <a:spAutoFit/>
+          </a:bodyPr>
+          <a:lstStyle/>
+          <a:p>
+            <a:r>
+              <a:rPr lang="zh-CN" altLang="en-US" dirty="0"/>
+              <a:t>def f(nums):</a:t>
+            </a:r>
+          </a:p>
+          <a:p>
+            <a:r>
+              <a:rPr lang="zh-CN" altLang="en-US" dirty="0"/>
+              <a:t>    if not nums or len(nums)&lt;=1:</a:t>
+            </a:r>
+          </a:p>
+          <a:p>
+            <a:r>
+              <a:rPr lang="zh-CN" altLang="en-US" dirty="0"/>
+              <a:t>        return nums</a:t>
+            </a:r>
+          </a:p>
+          <a:p>
+            <a:r>
+              <a:rPr lang="zh-CN" altLang="en-US" dirty="0"/>
+              <a:t>    mid = len(nums)//2</a:t>
+            </a:r>
+          </a:p>
+          <a:p>
+            <a:r>
+              <a:rPr lang="zh-CN" altLang="en-US" dirty="0"/>
+              <a:t>    </a:t>
+            </a:r>
+          </a:p>
+          <a:p>
+            <a:r>
+              <a:rPr lang="zh-CN" altLang="en-US" dirty="0"/>
+              <a:t>    a = f(nums[:mid])</a:t>
+            </a:r>
+          </a:p>
+          <a:p>
+            <a:r>
+              <a:rPr lang="zh-CN" altLang="en-US" dirty="0"/>
+              <a:t>    b = f(nums[mid:])</a:t>
+            </a:r>
+          </a:p>
+          <a:p>
+            <a:r>
+              <a:rPr lang="zh-CN" altLang="en-US" dirty="0"/>
+              <a:t>    return mer(a,b)</a:t>
+            </a:r>
+          </a:p>
+          <a:p>
+            <a:endParaRPr lang="zh-CN" altLang="en-US" dirty="0"/>
+          </a:p>
+        </p:txBody>
+      </p:sp>
+      <p:sp>
+        <p:nvSpPr>
+          <p:cNvPr id="3" name="矩形 2"/>
+          <p:cNvSpPr/>
+          <p:nvPr/>
+        </p:nvSpPr>
+        <p:spPr>
+          <a:xfrm>
+            <a:off x="6008484" y="1223861"/>
+            <a:ext cx="6096000" cy="4247317"/>
+          </a:xfrm>
+          <a:prstGeom prst="rect">
+            <a:avLst/>
+          </a:prstGeom>
+        </p:spPr>
+        <p:txBody>
+          <a:bodyPr>
+            <a:spAutoFit/>
+          </a:bodyPr>
+          <a:lstStyle/>
+          <a:p>
+            <a:r>
+              <a:rPr lang="zh-CN" altLang="en-US" dirty="0"/>
+              <a:t>def mer(a,b):</a:t>
+            </a:r>
+          </a:p>
+          <a:p>
+            <a:r>
+              <a:rPr lang="zh-CN" altLang="en-US" dirty="0"/>
+              <a:t>    i,j=0,0</a:t>
+            </a:r>
+          </a:p>
+          <a:p>
+            <a:r>
+              <a:rPr lang="zh-CN" altLang="en-US" dirty="0"/>
+              <a:t>    res = []</a:t>
+            </a:r>
+          </a:p>
+          <a:p>
+            <a:r>
+              <a:rPr lang="zh-CN" altLang="en-US" dirty="0"/>
+              <a:t>    while i&lt;len(a) and j&lt;len(b):</a:t>
+            </a:r>
+          </a:p>
+          <a:p>
+            <a:r>
+              <a:rPr lang="zh-CN" altLang="en-US" dirty="0"/>
+              <a:t>        if a[i]&lt;=b[j]:</a:t>
+            </a:r>
+          </a:p>
+          <a:p>
+            <a:r>
+              <a:rPr lang="zh-CN" altLang="en-US" dirty="0"/>
+              <a:t>            res.append(a[i])</a:t>
+            </a:r>
+          </a:p>
+          <a:p>
+            <a:r>
+              <a:rPr lang="zh-CN" altLang="en-US" dirty="0"/>
+              <a:t>            i+=1</a:t>
+            </a:r>
+          </a:p>
+          <a:p>
+            <a:r>
+              <a:rPr lang="zh-CN" altLang="en-US" dirty="0"/>
+              <a:t>        else:</a:t>
+            </a:r>
+          </a:p>
+          <a:p>
+            <a:r>
+              <a:rPr lang="zh-CN" altLang="en-US" dirty="0"/>
+              <a:t>            res.append(b[j])</a:t>
+            </a:r>
+          </a:p>
+          <a:p>
+            <a:r>
+              <a:rPr lang="zh-CN" altLang="en-US" dirty="0"/>
+              <a:t>            j+=1</a:t>
+            </a:r>
+          </a:p>
+          <a:p>
+            <a:r>
+              <a:rPr lang="zh-CN" altLang="en-US" dirty="0"/>
+              <a:t>    if i==len(a):</a:t>
+            </a:r>
+          </a:p>
+          <a:p>
+            <a:r>
+              <a:rPr lang="zh-CN" altLang="en-US" dirty="0"/>
+              <a:t>        res=res+b[j:]</a:t>
+            </a:r>
+          </a:p>
+          <a:p>
+            <a:r>
+              <a:rPr lang="zh-CN" altLang="en-US" dirty="0"/>
+              <a:t>    if j==len(b):</a:t>
+            </a:r>
+          </a:p>
+          <a:p>
+            <a:r>
+              <a:rPr lang="zh-CN" altLang="en-US" dirty="0"/>
+              <a:t>        res=res+a[i:]</a:t>
+            </a:r>
+          </a:p>
+          <a:p>
+            <a:r>
+              <a:rPr lang="zh-CN" altLang="en-US" dirty="0"/>
+              <a:t>    return res</a:t>
+            </a:r>
+            <a:endParaRPr lang="zh-CN" altLang="en-US" dirty="0"/>
+          </a:p>
+        </p:txBody>
+      </p:sp>
     </p:spTree>
     <p:extLst>
       <p:ext uri="{BB962C8B-B14F-4D97-AF65-F5344CB8AC3E}">
-        <p14:creationId xmlns:p14="http://schemas.microsoft.com/office/powerpoint/2010/main" val="3866213971"/>
+        <p14:creationId xmlns:p14="http://schemas.microsoft.com/office/powerpoint/2010/main" val="3667137151"/>
       </p:ext>
     </p:extLst>
   </p:cSld>
   <p:clrMapOvr>
     <a:masterClrMapping/>
   </p:clrMapOvr>
-</p:sld>
-</file>
-
-<file path=ppt/slides/slide29.xml><?xml version="1.0" encoding="utf-8"?>
-<p:sld xmlns:a="http://schemas.openxmlformats.org/drawingml/2006/main" xmlns:r="http://schemas.openxmlformats.org/officeDocument/2006/relationships" xmlns:p="http://schemas.openxmlformats.org/presentationml/2006/main">
-  <p:cSld>
-    <p:spTree>
-      <p:nvGrpSpPr>
-        <p:cNvPr id="1" name=""/>
-        <p:cNvGrpSpPr/>
-        <p:nvPr/>
-      </p:nvGrpSpPr>
-      <p:grpSpPr>
-        <a:xfrm>
-          <a:off x="0" y="0"/>
-          <a:ext cx="0" cy="0"/>
-          <a:chOff x="0" y="0"/>
-          <a:chExt cx="0" cy="0"/>
-        </a:xfrm>
-      </p:grpSpPr>
-    </p:spTree>
-    <p:extLst>
-      <p:ext uri="{BB962C8B-B14F-4D97-AF65-F5344CB8AC3E}">
-        <p14:creationId xmlns:p14="http://schemas.microsoft.com/office/powerpoint/2010/main" val="141010309"/>
-      </p:ext>
-    </p:extLst>
-  </p:cSld>
-  <p:clrMapOvr>
-    <a:masterClrMapping/>
-  </p:clrMapOvr>
+  <p:timing>
+    <p:tnLst>
+      <p:par>
+        <p:cTn id="1" dur="indefinite" restart="never" nodeType="tmRoot"/>
+      </p:par>
+    </p:tnLst>
+  </p:timing>
 </p:sld>
 </file>
 
@@ -7903,6 +8202,140 @@
       </p:grpSpPr>
       <p:sp>
         <p:nvSpPr>
+          <p:cNvPr id="4" name="矩形 3"/>
+          <p:cNvSpPr/>
+          <p:nvPr/>
+        </p:nvSpPr>
+        <p:spPr>
+          <a:xfrm>
+            <a:off x="798767" y="818118"/>
+            <a:ext cx="10704214" cy="4401205"/>
+          </a:xfrm>
+          <a:prstGeom prst="rect">
+            <a:avLst/>
+          </a:prstGeom>
+        </p:spPr>
+        <p:txBody>
+          <a:bodyPr wrap="square">
+            <a:spAutoFit/>
+          </a:bodyPr>
+          <a:lstStyle/>
+          <a:p>
+            <a:r>
+              <a:rPr lang="en-US" altLang="zh-CN" sz="4000" dirty="0" smtClean="0"/>
+              <a:t>1 </a:t>
+            </a:r>
+            <a:r>
+              <a:rPr lang="zh-CN" altLang="en-US" sz="4000" dirty="0" smtClean="0"/>
+              <a:t>、</a:t>
+            </a:r>
+            <a:r>
+              <a:rPr lang="en-US" altLang="zh-CN" sz="4000" dirty="0" smtClean="0"/>
+              <a:t>5</a:t>
+            </a:r>
+            <a:r>
+              <a:rPr lang="zh-CN" altLang="en-US" sz="4000" dirty="0" smtClean="0"/>
+              <a:t>、</a:t>
+            </a:r>
+            <a:r>
+              <a:rPr lang="en-US" altLang="zh-CN" sz="4000" dirty="0" smtClean="0"/>
+              <a:t>11</a:t>
+            </a:r>
+            <a:r>
+              <a:rPr lang="zh-CN" altLang="en-US" sz="4000" dirty="0" smtClean="0"/>
+              <a:t/>
+            </a:r>
+            <a:br>
+              <a:rPr lang="zh-CN" altLang="en-US" sz="4000" dirty="0" smtClean="0"/>
+            </a:br>
+            <a:r>
+              <a:rPr lang="zh-CN" altLang="en-US" sz="4000" dirty="0" smtClean="0"/>
+              <a:t>　　</a:t>
+            </a:r>
+            <a:endParaRPr lang="en-US" altLang="zh-CN" sz="4000" dirty="0" smtClean="0"/>
+          </a:p>
+          <a:p>
+            <a:r>
+              <a:rPr lang="en-US" altLang="zh-CN" sz="4000" dirty="0" smtClean="0"/>
+              <a:t>f(15) = min( f(15-11)+1 , f(15-5)+1 ,f(15-1)+1  )</a:t>
+            </a:r>
+          </a:p>
+          <a:p>
+            <a:endParaRPr lang="en-US" altLang="zh-CN" sz="4000" dirty="0" smtClean="0"/>
+          </a:p>
+          <a:p>
+            <a:r>
+              <a:rPr lang="zh-CN" altLang="en-US" sz="4000" dirty="0">
+                <a:solidFill>
+                  <a:srgbClr val="FF0000"/>
+                </a:solidFill>
+              </a:rPr>
+              <a:t>转</a:t>
+            </a:r>
+            <a:r>
+              <a:rPr lang="zh-CN" altLang="en-US" sz="4000" dirty="0" smtClean="0">
+                <a:solidFill>
+                  <a:srgbClr val="FF0000"/>
+                </a:solidFill>
+              </a:rPr>
+              <a:t>移方程：</a:t>
+            </a:r>
+            <a:endParaRPr lang="en-US" altLang="zh-CN" sz="4000" dirty="0">
+              <a:solidFill>
+                <a:srgbClr val="FF0000"/>
+              </a:solidFill>
+            </a:endParaRPr>
+          </a:p>
+          <a:p>
+            <a:r>
+              <a:rPr lang="en-US" altLang="zh-CN" sz="4000" dirty="0" smtClean="0"/>
+              <a:t>f(n) = min( f(n-11)+1 , f(n-5)+1 ,f(n-1)+1  )</a:t>
+            </a:r>
+          </a:p>
+          <a:p>
+            <a:endParaRPr lang="zh-CN" altLang="en-US" sz="4000" dirty="0" smtClean="0"/>
+          </a:p>
+        </p:txBody>
+      </p:sp>
+    </p:spTree>
+    <p:extLst>
+      <p:ext uri="{BB962C8B-B14F-4D97-AF65-F5344CB8AC3E}">
+        <p14:creationId xmlns:p14="http://schemas.microsoft.com/office/powerpoint/2010/main" val="2711615928"/>
+      </p:ext>
+    </p:extLst>
+  </p:cSld>
+  <p:clrMapOvr>
+    <a:masterClrMapping/>
+  </p:clrMapOvr>
+  <p:timing>
+    <p:tnLst>
+      <p:par>
+        <p:cTn id="1" dur="indefinite" restart="never" nodeType="tmRoot"/>
+      </p:par>
+    </p:tnLst>
+  </p:timing>
+</p:sld>
+</file>
+
+<file path=ppt/slides/slide4.xml><?xml version="1.0" encoding="utf-8"?>
+<p:sld xmlns:a="http://schemas.openxmlformats.org/drawingml/2006/main" xmlns:r="http://schemas.openxmlformats.org/officeDocument/2006/relationships" xmlns:p="http://schemas.openxmlformats.org/presentationml/2006/main">
+  <p:cSld>
+    <p:spTree>
+      <p:nvGrpSpPr>
+        <p:cNvPr id="1" name=""/>
+        <p:cNvGrpSpPr/>
+        <p:nvPr/>
+      </p:nvGrpSpPr>
+      <p:grpSpPr>
+        <a:xfrm>
+          <a:off x="0" y="0"/>
+          <a:ext cx="0" cy="0"/>
+          <a:chOff x="0" y="0"/>
+          <a:chExt cx="0" cy="0"/>
+        </a:xfrm>
+      </p:grpSpPr>
+      <p:sp>
+        <p:nvSpPr>
           <p:cNvPr id="2" name="矩形 1"/>
           <p:cNvSpPr/>
           <p:nvPr/>
@@ -7942,8 +8375,13 @@
           <a:p>
             <a:r>
               <a:rPr lang="zh-CN" altLang="en-US" sz="3600" dirty="0" smtClean="0"/>
-              <a:t>        return 9999</a:t>
-            </a:r>
+              <a:t>        return </a:t>
+            </a:r>
+            <a:r>
+              <a:rPr lang="en-US" altLang="zh-CN" sz="3600" dirty="0" smtClean="0"/>
+              <a:t>sys.maxsize</a:t>
+            </a:r>
+            <a:endParaRPr lang="zh-CN" altLang="en-US" sz="3600" dirty="0" smtClean="0"/>
           </a:p>
           <a:p>
             <a:r>
@@ -8010,277 +8448,7 @@
 </p:sld>
 </file>
 
-<file path=ppt/slides/slide30.xml><?xml version="1.0" encoding="utf-8"?>
-<p:sld xmlns:a="http://schemas.openxmlformats.org/drawingml/2006/main" xmlns:r="http://schemas.openxmlformats.org/officeDocument/2006/relationships" xmlns:p="http://schemas.openxmlformats.org/presentationml/2006/main">
-  <p:cSld>
-    <p:spTree>
-      <p:nvGrpSpPr>
-        <p:cNvPr id="1" name=""/>
-        <p:cNvGrpSpPr/>
-        <p:nvPr/>
-      </p:nvGrpSpPr>
-      <p:grpSpPr>
-        <a:xfrm>
-          <a:off x="0" y="0"/>
-          <a:ext cx="0" cy="0"/>
-          <a:chOff x="0" y="0"/>
-          <a:chExt cx="0" cy="0"/>
-        </a:xfrm>
-      </p:grpSpPr>
-    </p:spTree>
-    <p:extLst>
-      <p:ext uri="{BB962C8B-B14F-4D97-AF65-F5344CB8AC3E}">
-        <p14:creationId xmlns:p14="http://schemas.microsoft.com/office/powerpoint/2010/main" val="3515690701"/>
-      </p:ext>
-    </p:extLst>
-  </p:cSld>
-  <p:clrMapOvr>
-    <a:masterClrMapping/>
-  </p:clrMapOvr>
-</p:sld>
-</file>
-
-<file path=ppt/slides/slide31.xml><?xml version="1.0" encoding="utf-8"?>
-<p:sld xmlns:a="http://schemas.openxmlformats.org/drawingml/2006/main" xmlns:r="http://schemas.openxmlformats.org/officeDocument/2006/relationships" xmlns:p="http://schemas.openxmlformats.org/presentationml/2006/main">
-  <p:cSld>
-    <p:spTree>
-      <p:nvGrpSpPr>
-        <p:cNvPr id="1" name=""/>
-        <p:cNvGrpSpPr/>
-        <p:nvPr/>
-      </p:nvGrpSpPr>
-      <p:grpSpPr>
-        <a:xfrm>
-          <a:off x="0" y="0"/>
-          <a:ext cx="0" cy="0"/>
-          <a:chOff x="0" y="0"/>
-          <a:chExt cx="0" cy="0"/>
-        </a:xfrm>
-      </p:grpSpPr>
-    </p:spTree>
-    <p:extLst>
-      <p:ext uri="{BB962C8B-B14F-4D97-AF65-F5344CB8AC3E}">
-        <p14:creationId xmlns:p14="http://schemas.microsoft.com/office/powerpoint/2010/main" val="3813023797"/>
-      </p:ext>
-    </p:extLst>
-  </p:cSld>
-  <p:clrMapOvr>
-    <a:masterClrMapping/>
-  </p:clrMapOvr>
-</p:sld>
-</file>
-
-<file path=ppt/slides/slide32.xml><?xml version="1.0" encoding="utf-8"?>
-<p:sld xmlns:a="http://schemas.openxmlformats.org/drawingml/2006/main" xmlns:r="http://schemas.openxmlformats.org/officeDocument/2006/relationships" xmlns:p="http://schemas.openxmlformats.org/presentationml/2006/main">
-  <p:cSld>
-    <p:spTree>
-      <p:nvGrpSpPr>
-        <p:cNvPr id="1" name=""/>
-        <p:cNvGrpSpPr/>
-        <p:nvPr/>
-      </p:nvGrpSpPr>
-      <p:grpSpPr>
-        <a:xfrm>
-          <a:off x="0" y="0"/>
-          <a:ext cx="0" cy="0"/>
-          <a:chOff x="0" y="0"/>
-          <a:chExt cx="0" cy="0"/>
-        </a:xfrm>
-      </p:grpSpPr>
-    </p:spTree>
-    <p:extLst>
-      <p:ext uri="{BB962C8B-B14F-4D97-AF65-F5344CB8AC3E}">
-        <p14:creationId xmlns:p14="http://schemas.microsoft.com/office/powerpoint/2010/main" val="2205021783"/>
-      </p:ext>
-    </p:extLst>
-  </p:cSld>
-  <p:clrMapOvr>
-    <a:masterClrMapping/>
-  </p:clrMapOvr>
-</p:sld>
-</file>
-
-<file path=ppt/slides/slide33.xml><?xml version="1.0" encoding="utf-8"?>
-<p:sld xmlns:a="http://schemas.openxmlformats.org/drawingml/2006/main" xmlns:r="http://schemas.openxmlformats.org/officeDocument/2006/relationships" xmlns:p="http://schemas.openxmlformats.org/presentationml/2006/main">
-  <p:cSld>
-    <p:spTree>
-      <p:nvGrpSpPr>
-        <p:cNvPr id="1" name=""/>
-        <p:cNvGrpSpPr/>
-        <p:nvPr/>
-      </p:nvGrpSpPr>
-      <p:grpSpPr>
-        <a:xfrm>
-          <a:off x="0" y="0"/>
-          <a:ext cx="0" cy="0"/>
-          <a:chOff x="0" y="0"/>
-          <a:chExt cx="0" cy="0"/>
-        </a:xfrm>
-      </p:grpSpPr>
-    </p:spTree>
-    <p:extLst>
-      <p:ext uri="{BB962C8B-B14F-4D97-AF65-F5344CB8AC3E}">
-        <p14:creationId xmlns:p14="http://schemas.microsoft.com/office/powerpoint/2010/main" val="1804012797"/>
-      </p:ext>
-    </p:extLst>
-  </p:cSld>
-  <p:clrMapOvr>
-    <a:masterClrMapping/>
-  </p:clrMapOvr>
-</p:sld>
-</file>
-
-<file path=ppt/slides/slide34.xml><?xml version="1.0" encoding="utf-8"?>
-<p:sld xmlns:a="http://schemas.openxmlformats.org/drawingml/2006/main" xmlns:r="http://schemas.openxmlformats.org/officeDocument/2006/relationships" xmlns:p="http://schemas.openxmlformats.org/presentationml/2006/main">
-  <p:cSld>
-    <p:spTree>
-      <p:nvGrpSpPr>
-        <p:cNvPr id="1" name=""/>
-        <p:cNvGrpSpPr/>
-        <p:nvPr/>
-      </p:nvGrpSpPr>
-      <p:grpSpPr>
-        <a:xfrm>
-          <a:off x="0" y="0"/>
-          <a:ext cx="0" cy="0"/>
-          <a:chOff x="0" y="0"/>
-          <a:chExt cx="0" cy="0"/>
-        </a:xfrm>
-      </p:grpSpPr>
-    </p:spTree>
-    <p:extLst>
-      <p:ext uri="{BB962C8B-B14F-4D97-AF65-F5344CB8AC3E}">
-        <p14:creationId xmlns:p14="http://schemas.microsoft.com/office/powerpoint/2010/main" val="2759215262"/>
-      </p:ext>
-    </p:extLst>
-  </p:cSld>
-  <p:clrMapOvr>
-    <a:masterClrMapping/>
-  </p:clrMapOvr>
-</p:sld>
-</file>
-
-<file path=ppt/slides/slide35.xml><?xml version="1.0" encoding="utf-8"?>
-<p:sld xmlns:a="http://schemas.openxmlformats.org/drawingml/2006/main" xmlns:r="http://schemas.openxmlformats.org/officeDocument/2006/relationships" xmlns:p="http://schemas.openxmlformats.org/presentationml/2006/main">
-  <p:cSld>
-    <p:spTree>
-      <p:nvGrpSpPr>
-        <p:cNvPr id="1" name=""/>
-        <p:cNvGrpSpPr/>
-        <p:nvPr/>
-      </p:nvGrpSpPr>
-      <p:grpSpPr>
-        <a:xfrm>
-          <a:off x="0" y="0"/>
-          <a:ext cx="0" cy="0"/>
-          <a:chOff x="0" y="0"/>
-          <a:chExt cx="0" cy="0"/>
-        </a:xfrm>
-      </p:grpSpPr>
-    </p:spTree>
-    <p:extLst>
-      <p:ext uri="{BB962C8B-B14F-4D97-AF65-F5344CB8AC3E}">
-        <p14:creationId xmlns:p14="http://schemas.microsoft.com/office/powerpoint/2010/main" val="1965242710"/>
-      </p:ext>
-    </p:extLst>
-  </p:cSld>
-  <p:clrMapOvr>
-    <a:masterClrMapping/>
-  </p:clrMapOvr>
-</p:sld>
-</file>
-
-<file path=ppt/slides/slide36.xml><?xml version="1.0" encoding="utf-8"?>
-<p:sld xmlns:a="http://schemas.openxmlformats.org/drawingml/2006/main" xmlns:r="http://schemas.openxmlformats.org/officeDocument/2006/relationships" xmlns:p="http://schemas.openxmlformats.org/presentationml/2006/main">
-  <p:cSld>
-    <p:spTree>
-      <p:nvGrpSpPr>
-        <p:cNvPr id="1" name=""/>
-        <p:cNvGrpSpPr/>
-        <p:nvPr/>
-      </p:nvGrpSpPr>
-      <p:grpSpPr>
-        <a:xfrm>
-          <a:off x="0" y="0"/>
-          <a:ext cx="0" cy="0"/>
-          <a:chOff x="0" y="0"/>
-          <a:chExt cx="0" cy="0"/>
-        </a:xfrm>
-      </p:grpSpPr>
-    </p:spTree>
-    <p:extLst>
-      <p:ext uri="{BB962C8B-B14F-4D97-AF65-F5344CB8AC3E}">
-        <p14:creationId xmlns:p14="http://schemas.microsoft.com/office/powerpoint/2010/main" val="2187464481"/>
-      </p:ext>
-    </p:extLst>
-  </p:cSld>
-  <p:clrMapOvr>
-    <a:masterClrMapping/>
-  </p:clrMapOvr>
-</p:sld>
-</file>
-
-<file path=ppt/slides/slide37.xml><?xml version="1.0" encoding="utf-8"?>
-<p:sld xmlns:a="http://schemas.openxmlformats.org/drawingml/2006/main" xmlns:r="http://schemas.openxmlformats.org/officeDocument/2006/relationships" xmlns:p="http://schemas.openxmlformats.org/presentationml/2006/main">
-  <p:cSld>
-    <p:spTree>
-      <p:nvGrpSpPr>
-        <p:cNvPr id="1" name=""/>
-        <p:cNvGrpSpPr/>
-        <p:nvPr/>
-      </p:nvGrpSpPr>
-      <p:grpSpPr>
-        <a:xfrm>
-          <a:off x="0" y="0"/>
-          <a:ext cx="0" cy="0"/>
-          <a:chOff x="0" y="0"/>
-          <a:chExt cx="0" cy="0"/>
-        </a:xfrm>
-      </p:grpSpPr>
-    </p:spTree>
-    <p:extLst>
-      <p:ext uri="{BB962C8B-B14F-4D97-AF65-F5344CB8AC3E}">
-        <p14:creationId xmlns:p14="http://schemas.microsoft.com/office/powerpoint/2010/main" val="2661616333"/>
-      </p:ext>
-    </p:extLst>
-  </p:cSld>
-  <p:clrMapOvr>
-    <a:masterClrMapping/>
-  </p:clrMapOvr>
-</p:sld>
-</file>
-
-<file path=ppt/slides/slide38.xml><?xml version="1.0" encoding="utf-8"?>
-<p:sld xmlns:a="http://schemas.openxmlformats.org/drawingml/2006/main" xmlns:r="http://schemas.openxmlformats.org/officeDocument/2006/relationships" xmlns:p="http://schemas.openxmlformats.org/presentationml/2006/main">
-  <p:cSld>
-    <p:spTree>
-      <p:nvGrpSpPr>
-        <p:cNvPr id="1" name=""/>
-        <p:cNvGrpSpPr/>
-        <p:nvPr/>
-      </p:nvGrpSpPr>
-      <p:grpSpPr>
-        <a:xfrm>
-          <a:off x="0" y="0"/>
-          <a:ext cx="0" cy="0"/>
-          <a:chOff x="0" y="0"/>
-          <a:chExt cx="0" cy="0"/>
-        </a:xfrm>
-      </p:grpSpPr>
-    </p:spTree>
-    <p:extLst>
-      <p:ext uri="{BB962C8B-B14F-4D97-AF65-F5344CB8AC3E}">
-        <p14:creationId xmlns:p14="http://schemas.microsoft.com/office/powerpoint/2010/main" val="2153037676"/>
-      </p:ext>
-    </p:extLst>
-  </p:cSld>
-  <p:clrMapOvr>
-    <a:masterClrMapping/>
-  </p:clrMapOvr>
-</p:sld>
-</file>
-
-<file path=ppt/slides/slide4.xml><?xml version="1.0" encoding="utf-8"?>
+<file path=ppt/slides/slide5.xml><?xml version="1.0" encoding="utf-8"?>
 <p:sld xmlns:a="http://schemas.openxmlformats.org/drawingml/2006/main" xmlns:r="http://schemas.openxmlformats.org/officeDocument/2006/relationships" xmlns:p="http://schemas.openxmlformats.org/presentationml/2006/main">
   <p:cSld>
     <p:spTree>
@@ -8540,7 +8708,7 @@
 </p:sld>
 </file>
 
-<file path=ppt/slides/slide5.xml><?xml version="1.0" encoding="utf-8"?>
+<file path=ppt/slides/slide6.xml><?xml version="1.0" encoding="utf-8"?>
 <p:sld xmlns:a="http://schemas.openxmlformats.org/drawingml/2006/main" xmlns:r="http://schemas.openxmlformats.org/officeDocument/2006/relationships" xmlns:p="http://schemas.openxmlformats.org/presentationml/2006/main">
   <p:cSld>
     <p:spTree>
@@ -8620,8 +8788,13 @@
           <a:p>
             <a:r>
               <a:rPr lang="zh-CN" altLang="en-US" sz="2400" dirty="0"/>
-              <a:t>    maxint = 9999</a:t>
-            </a:r>
+              <a:t>    maxint = </a:t>
+            </a:r>
+            <a:r>
+              <a:rPr lang="en-US" altLang="zh-CN" sz="2400" dirty="0" smtClean="0"/>
+              <a:t>sys.maxsize</a:t>
+            </a:r>
+            <a:endParaRPr lang="zh-CN" altLang="en-US" sz="2400" dirty="0"/>
           </a:p>
           <a:p>
             <a:r>
@@ -8737,7 +8910,163 @@
 </p:sld>
 </file>
 
-<file path=ppt/slides/slide6.xml><?xml version="1.0" encoding="utf-8"?>
+<file path=ppt/slides/slide7.xml><?xml version="1.0" encoding="utf-8"?>
+<p:sld xmlns:a="http://schemas.openxmlformats.org/drawingml/2006/main" xmlns:r="http://schemas.openxmlformats.org/officeDocument/2006/relationships" xmlns:p="http://schemas.openxmlformats.org/presentationml/2006/main">
+  <p:cSld>
+    <p:spTree>
+      <p:nvGrpSpPr>
+        <p:cNvPr id="1" name=""/>
+        <p:cNvGrpSpPr/>
+        <p:nvPr/>
+      </p:nvGrpSpPr>
+      <p:grpSpPr>
+        <a:xfrm>
+          <a:off x="0" y="0"/>
+          <a:ext cx="0" cy="0"/>
+          <a:chOff x="0" y="0"/>
+          <a:chExt cx="0" cy="0"/>
+        </a:xfrm>
+      </p:grpSpPr>
+      <p:sp>
+        <p:nvSpPr>
+          <p:cNvPr id="2" name="矩形 1"/>
+          <p:cNvSpPr/>
+          <p:nvPr/>
+        </p:nvSpPr>
+        <p:spPr>
+          <a:xfrm>
+            <a:off x="1013927" y="687175"/>
+            <a:ext cx="10518710" cy="4708981"/>
+          </a:xfrm>
+          <a:prstGeom prst="rect">
+            <a:avLst/>
+          </a:prstGeom>
+        </p:spPr>
+        <p:txBody>
+          <a:bodyPr wrap="square">
+            <a:spAutoFit/>
+          </a:bodyPr>
+          <a:lstStyle/>
+          <a:p>
+            <a:pPr>
+              <a:lnSpc>
+                <a:spcPct val="150000"/>
+              </a:lnSpc>
+            </a:pPr>
+            <a:r>
+              <a:rPr lang="en-US" altLang="zh-CN" sz="3200" b="1" dirty="0" smtClean="0"/>
+              <a:t>DP</a:t>
+            </a:r>
+            <a:r>
+              <a:rPr lang="zh-CN" altLang="en-US" sz="3200" b="1" dirty="0"/>
+              <a:t>解</a:t>
+            </a:r>
+            <a:r>
+              <a:rPr lang="zh-CN" altLang="en-US" sz="3200" b="1" dirty="0" smtClean="0"/>
+              <a:t>决问题的思路</a:t>
+            </a:r>
+            <a:endParaRPr lang="en-US" altLang="zh-CN" sz="3200" b="1" dirty="0" smtClean="0"/>
+          </a:p>
+          <a:p>
+            <a:pPr marL="457200" indent="-457200">
+              <a:lnSpc>
+                <a:spcPct val="150000"/>
+              </a:lnSpc>
+              <a:buFont typeface="Wingdings" panose="05000000000000000000" pitchFamily="2" charset="2"/>
+              <a:buChar char="ü"/>
+            </a:pPr>
+            <a:r>
+              <a:rPr lang="zh-CN" altLang="en-US" sz="2800" b="1" dirty="0" smtClean="0"/>
+              <a:t>把原始问题划分成一系列子问题；</a:t>
+            </a:r>
+          </a:p>
+          <a:p>
+            <a:pPr marL="457200" indent="-457200">
+              <a:lnSpc>
+                <a:spcPct val="150000"/>
+              </a:lnSpc>
+              <a:buFont typeface="Wingdings" panose="05000000000000000000" pitchFamily="2" charset="2"/>
+              <a:buChar char="ü"/>
+            </a:pPr>
+            <a:r>
+              <a:rPr lang="zh-CN" altLang="en-US" sz="2800" b="1" dirty="0" smtClean="0">
+                <a:solidFill>
+                  <a:srgbClr val="FF0000"/>
+                </a:solidFill>
+              </a:rPr>
+              <a:t>求解每个子问题仅一次，</a:t>
+            </a:r>
+            <a:r>
+              <a:rPr lang="zh-CN" altLang="en-US" sz="2800" b="1" dirty="0" smtClean="0"/>
+              <a:t>并将其结果保存在一个表中，以后用到时直接存取，不重复计算，节省计算时间</a:t>
+            </a:r>
+          </a:p>
+          <a:p>
+            <a:pPr marL="457200" indent="-457200">
+              <a:lnSpc>
+                <a:spcPct val="150000"/>
+              </a:lnSpc>
+              <a:buFont typeface="Wingdings" panose="05000000000000000000" pitchFamily="2" charset="2"/>
+              <a:buChar char="ü"/>
+            </a:pPr>
+            <a:r>
+              <a:rPr lang="zh-CN" altLang="en-US" sz="2800" b="1" dirty="0" smtClean="0">
+                <a:solidFill>
+                  <a:srgbClr val="FF0000"/>
+                </a:solidFill>
+              </a:rPr>
+              <a:t>自底向上地计算。</a:t>
+            </a:r>
+          </a:p>
+          <a:p>
+            <a:pPr marL="457200" indent="-457200">
+              <a:lnSpc>
+                <a:spcPct val="150000"/>
+              </a:lnSpc>
+              <a:buFont typeface="Wingdings" panose="05000000000000000000" pitchFamily="2" charset="2"/>
+              <a:buChar char="ü"/>
+            </a:pPr>
+            <a:r>
+              <a:rPr lang="zh-CN" altLang="en-US" sz="2800" b="1" dirty="0" smtClean="0"/>
+              <a:t>整体问题最优解取决于子问题的最优解（</a:t>
+            </a:r>
+            <a:r>
+              <a:rPr lang="zh-CN" altLang="en-US" sz="2800" b="1" dirty="0" smtClean="0">
+                <a:solidFill>
+                  <a:srgbClr val="FF0000"/>
+                </a:solidFill>
+              </a:rPr>
+              <a:t>状态转移方程</a:t>
+            </a:r>
+            <a:r>
+              <a:rPr lang="zh-CN" altLang="en-US" sz="2800" b="1" dirty="0" smtClean="0"/>
+              <a:t>）（将子问题称为状态，最终状态的求解归结为其他状态的求解）</a:t>
+            </a:r>
+            <a:endParaRPr lang="zh-CN" altLang="en-US" sz="2800" b="1" dirty="0"/>
+          </a:p>
+        </p:txBody>
+      </p:sp>
+    </p:spTree>
+    <p:extLst>
+      <p:ext uri="{BB962C8B-B14F-4D97-AF65-F5344CB8AC3E}">
+        <p14:creationId xmlns:p14="http://schemas.microsoft.com/office/powerpoint/2010/main" val="1097405260"/>
+      </p:ext>
+    </p:extLst>
+  </p:cSld>
+  <p:clrMapOvr>
+    <a:masterClrMapping/>
+  </p:clrMapOvr>
+  <p:timing>
+    <p:tnLst>
+      <p:par>
+        <p:cTn id="1" dur="indefinite" restart="never" nodeType="tmRoot"/>
+      </p:par>
+    </p:tnLst>
+  </p:timing>
+</p:sld>
+</file>
+
+<file path=ppt/slides/slide8.xml><?xml version="1.0" encoding="utf-8"?>
 <p:sld xmlns:a="http://schemas.openxmlformats.org/drawingml/2006/main" xmlns:r="http://schemas.openxmlformats.org/officeDocument/2006/relationships" xmlns:p="http://schemas.openxmlformats.org/presentationml/2006/main">
   <p:cSld>
     <p:spTree>
@@ -8840,7 +9169,7 @@
 </p:sld>
 </file>
 
-<file path=ppt/slides/slide7.xml><?xml version="1.0" encoding="utf-8"?>
+<file path=ppt/slides/slide9.xml><?xml version="1.0" encoding="utf-8"?>
 <p:sld xmlns:a="http://schemas.openxmlformats.org/drawingml/2006/main" xmlns:r="http://schemas.openxmlformats.org/officeDocument/2006/relationships" xmlns:p="http://schemas.openxmlformats.org/presentationml/2006/main">
   <p:cSld>
     <p:spTree>
@@ -8926,223 +9255,6 @@
     <p:extLst>
       <p:ext uri="{BB962C8B-B14F-4D97-AF65-F5344CB8AC3E}">
         <p14:creationId xmlns:p14="http://schemas.microsoft.com/office/powerpoint/2010/main" val="1547565057"/>
-      </p:ext>
-    </p:extLst>
-  </p:cSld>
-  <p:clrMapOvr>
-    <a:masterClrMapping/>
-  </p:clrMapOvr>
-  <p:timing>
-    <p:tnLst>
-      <p:par>
-        <p:cTn id="1" dur="indefinite" restart="never" nodeType="tmRoot"/>
-      </p:par>
-    </p:tnLst>
-  </p:timing>
-</p:sld>
-</file>
-
-<file path=ppt/slides/slide8.xml><?xml version="1.0" encoding="utf-8"?>
-<p:sld xmlns:a="http://schemas.openxmlformats.org/drawingml/2006/main" xmlns:r="http://schemas.openxmlformats.org/officeDocument/2006/relationships" xmlns:p="http://schemas.openxmlformats.org/presentationml/2006/main">
-  <p:cSld>
-    <p:spTree>
-      <p:nvGrpSpPr>
-        <p:cNvPr id="1" name=""/>
-        <p:cNvGrpSpPr/>
-        <p:nvPr/>
-      </p:nvGrpSpPr>
-      <p:grpSpPr>
-        <a:xfrm>
-          <a:off x="0" y="0"/>
-          <a:ext cx="0" cy="0"/>
-          <a:chOff x="0" y="0"/>
-          <a:chExt cx="0" cy="0"/>
-        </a:xfrm>
-      </p:grpSpPr>
-      <p:sp>
-        <p:nvSpPr>
-          <p:cNvPr id="2" name="矩形 1"/>
-          <p:cNvSpPr/>
-          <p:nvPr/>
-        </p:nvSpPr>
-        <p:spPr>
-          <a:xfrm>
-            <a:off x="1013927" y="687175"/>
-            <a:ext cx="10518710" cy="4708981"/>
-          </a:xfrm>
-          <a:prstGeom prst="rect">
-            <a:avLst/>
-          </a:prstGeom>
-        </p:spPr>
-        <p:txBody>
-          <a:bodyPr wrap="square">
-            <a:spAutoFit/>
-          </a:bodyPr>
-          <a:lstStyle/>
-          <a:p>
-            <a:pPr>
-              <a:lnSpc>
-                <a:spcPct val="150000"/>
-              </a:lnSpc>
-            </a:pPr>
-            <a:r>
-              <a:rPr lang="en-US" altLang="zh-CN" sz="3200" b="1" dirty="0" smtClean="0"/>
-              <a:t>DP</a:t>
-            </a:r>
-            <a:r>
-              <a:rPr lang="zh-CN" altLang="en-US" sz="3200" b="1" dirty="0"/>
-              <a:t>解</a:t>
-            </a:r>
-            <a:r>
-              <a:rPr lang="zh-CN" altLang="en-US" sz="3200" b="1" dirty="0" smtClean="0"/>
-              <a:t>决问题的思路</a:t>
-            </a:r>
-            <a:endParaRPr lang="en-US" altLang="zh-CN" sz="3200" b="1" dirty="0" smtClean="0"/>
-          </a:p>
-          <a:p>
-            <a:pPr marL="457200" indent="-457200">
-              <a:lnSpc>
-                <a:spcPct val="150000"/>
-              </a:lnSpc>
-              <a:buFont typeface="Wingdings" panose="05000000000000000000" pitchFamily="2" charset="2"/>
-              <a:buChar char="ü"/>
-            </a:pPr>
-            <a:r>
-              <a:rPr lang="zh-CN" altLang="en-US" sz="2800" b="1" dirty="0" smtClean="0"/>
-              <a:t>把原始问题划分成一系列子问题；</a:t>
-            </a:r>
-          </a:p>
-          <a:p>
-            <a:pPr marL="457200" indent="-457200">
-              <a:lnSpc>
-                <a:spcPct val="150000"/>
-              </a:lnSpc>
-              <a:buFont typeface="Wingdings" panose="05000000000000000000" pitchFamily="2" charset="2"/>
-              <a:buChar char="ü"/>
-            </a:pPr>
-            <a:r>
-              <a:rPr lang="zh-CN" altLang="en-US" sz="2800" b="1" dirty="0" smtClean="0">
-                <a:solidFill>
-                  <a:srgbClr val="FF0000"/>
-                </a:solidFill>
-              </a:rPr>
-              <a:t>求解每个子问题仅一次，</a:t>
-            </a:r>
-            <a:r>
-              <a:rPr lang="zh-CN" altLang="en-US" sz="2800" b="1" dirty="0" smtClean="0"/>
-              <a:t>并将其结果保存在一个表中，以后用到时直接存取，不重复计算，节省计算时间</a:t>
-            </a:r>
-          </a:p>
-          <a:p>
-            <a:pPr marL="457200" indent="-457200">
-              <a:lnSpc>
-                <a:spcPct val="150000"/>
-              </a:lnSpc>
-              <a:buFont typeface="Wingdings" panose="05000000000000000000" pitchFamily="2" charset="2"/>
-              <a:buChar char="ü"/>
-            </a:pPr>
-            <a:r>
-              <a:rPr lang="zh-CN" altLang="en-US" sz="2800" b="1" dirty="0" smtClean="0">
-                <a:solidFill>
-                  <a:srgbClr val="FF0000"/>
-                </a:solidFill>
-              </a:rPr>
-              <a:t>自底向上地计算。</a:t>
-            </a:r>
-          </a:p>
-          <a:p>
-            <a:pPr marL="457200" indent="-457200">
-              <a:lnSpc>
-                <a:spcPct val="150000"/>
-              </a:lnSpc>
-              <a:buFont typeface="Wingdings" panose="05000000000000000000" pitchFamily="2" charset="2"/>
-              <a:buChar char="ü"/>
-            </a:pPr>
-            <a:r>
-              <a:rPr lang="zh-CN" altLang="en-US" sz="2800" b="1" dirty="0" smtClean="0"/>
-              <a:t>整体问题最优解取决于子问题的最优解（</a:t>
-            </a:r>
-            <a:r>
-              <a:rPr lang="zh-CN" altLang="en-US" sz="2800" b="1" dirty="0" smtClean="0">
-                <a:solidFill>
-                  <a:srgbClr val="FF0000"/>
-                </a:solidFill>
-              </a:rPr>
-              <a:t>状态转移方程</a:t>
-            </a:r>
-            <a:r>
-              <a:rPr lang="zh-CN" altLang="en-US" sz="2800" b="1" dirty="0" smtClean="0"/>
-              <a:t>）（将子问题称为状态，最终状态的求解归结为其他状态的求解）</a:t>
-            </a:r>
-            <a:endParaRPr lang="zh-CN" altLang="en-US" sz="2800" b="1" dirty="0"/>
-          </a:p>
-        </p:txBody>
-      </p:sp>
-    </p:spTree>
-    <p:extLst>
-      <p:ext uri="{BB962C8B-B14F-4D97-AF65-F5344CB8AC3E}">
-        <p14:creationId xmlns:p14="http://schemas.microsoft.com/office/powerpoint/2010/main" val="1097405260"/>
-      </p:ext>
-    </p:extLst>
-  </p:cSld>
-  <p:clrMapOvr>
-    <a:masterClrMapping/>
-  </p:clrMapOvr>
-  <p:timing>
-    <p:tnLst>
-      <p:par>
-        <p:cTn id="1" dur="indefinite" restart="never" nodeType="tmRoot"/>
-      </p:par>
-    </p:tnLst>
-  </p:timing>
-</p:sld>
-</file>
-
-<file path=ppt/slides/slide9.xml><?xml version="1.0" encoding="utf-8"?>
-<p:sld xmlns:a="http://schemas.openxmlformats.org/drawingml/2006/main" xmlns:r="http://schemas.openxmlformats.org/officeDocument/2006/relationships" xmlns:p="http://schemas.openxmlformats.org/presentationml/2006/main">
-  <p:cSld>
-    <p:spTree>
-      <p:nvGrpSpPr>
-        <p:cNvPr id="1" name=""/>
-        <p:cNvGrpSpPr/>
-        <p:nvPr/>
-      </p:nvGrpSpPr>
-      <p:grpSpPr>
-        <a:xfrm>
-          <a:off x="0" y="0"/>
-          <a:ext cx="0" cy="0"/>
-          <a:chOff x="0" y="0"/>
-          <a:chExt cx="0" cy="0"/>
-        </a:xfrm>
-      </p:grpSpPr>
-      <p:pic>
-        <p:nvPicPr>
-          <p:cNvPr id="2" name="图片 1"/>
-          <p:cNvPicPr>
-            <a:picLocks noChangeAspect="1"/>
-          </p:cNvPicPr>
-          <p:nvPr/>
-        </p:nvPicPr>
-        <p:blipFill>
-          <a:blip r:embed="rId2"/>
-          <a:stretch>
-            <a:fillRect/>
-          </a:stretch>
-        </p:blipFill>
-        <p:spPr>
-          <a:xfrm>
-            <a:off x="166828" y="1131729"/>
-            <a:ext cx="11869507" cy="4590060"/>
-          </a:xfrm>
-          <a:prstGeom prst="rect">
-            <a:avLst/>
-          </a:prstGeom>
-        </p:spPr>
-      </p:pic>
-    </p:spTree>
-    <p:extLst>
-      <p:ext uri="{BB962C8B-B14F-4D97-AF65-F5344CB8AC3E}">
-        <p14:creationId xmlns:p14="http://schemas.microsoft.com/office/powerpoint/2010/main" val="4284846240"/>
       </p:ext>
     </p:extLst>
   </p:cSld>
